--- a/class_3_1/class_3_1.pptx
+++ b/class_3_1/class_3_1.pptx
@@ -5,10 +5,33 @@
     <p:sldMasterId id="2147483648" r:id="rId1"/>
   </p:sldMasterIdLst>
   <p:notesMasterIdLst>
-    <p:notesMasterId r:id="rId3"/>
+    <p:notesMasterId r:id="rId26"/>
   </p:notesMasterIdLst>
   <p:sldIdLst>
-    <p:sldId id="256" r:id="rId2"/>
+    <p:sldId id="319" r:id="rId2"/>
+    <p:sldId id="256" r:id="rId3"/>
+    <p:sldId id="321" r:id="rId4"/>
+    <p:sldId id="324" r:id="rId5"/>
+    <p:sldId id="328" r:id="rId6"/>
+    <p:sldId id="261" r:id="rId7"/>
+    <p:sldId id="262" r:id="rId8"/>
+    <p:sldId id="263" r:id="rId9"/>
+    <p:sldId id="276" r:id="rId10"/>
+    <p:sldId id="277" r:id="rId11"/>
+    <p:sldId id="264" r:id="rId12"/>
+    <p:sldId id="325" r:id="rId13"/>
+    <p:sldId id="269" r:id="rId14"/>
+    <p:sldId id="327" r:id="rId15"/>
+    <p:sldId id="278" r:id="rId16"/>
+    <p:sldId id="279" r:id="rId17"/>
+    <p:sldId id="280" r:id="rId18"/>
+    <p:sldId id="281" r:id="rId19"/>
+    <p:sldId id="282" r:id="rId20"/>
+    <p:sldId id="267" r:id="rId21"/>
+    <p:sldId id="268" r:id="rId22"/>
+    <p:sldId id="326" r:id="rId23"/>
+    <p:sldId id="266" r:id="rId24"/>
+    <p:sldId id="259" r:id="rId25"/>
   </p:sldIdLst>
   <p:sldSz cx="12192000" cy="6858000"/>
   <p:notesSz cx="6858000" cy="9144000"/>
@@ -197,7 +220,7 @@
           <a:p>
             <a:fld id="{8E5940E0-E864-DF4A-BD26-2C2246AC4E05}" type="datetimeFigureOut">
               <a:rPr lang="en-US" smtClean="0"/>
-              <a:t>6/3/20</a:t>
+              <a:t>6/14/20</a:t>
             </a:fld>
             <a:endParaRPr lang="en-US"/>
           </a:p>
@@ -529,7 +552,7 @@
           <a:p>
             <a:fld id="{F91D480C-B22B-9744-AC27-082F71E496D4}" type="slidenum">
               <a:rPr lang="en-US" smtClean="0"/>
-              <a:t>1</a:t>
+              <a:t>2</a:t>
             </a:fld>
             <a:endParaRPr lang="en-US"/>
           </a:p>
@@ -695,7 +718,7 @@
           <a:p>
             <a:fld id="{B4805629-43F6-3C4F-A3A1-18FEAB524198}" type="datetimeFigureOut">
               <a:rPr lang="en-US" smtClean="0"/>
-              <a:t>6/3/20</a:t>
+              <a:t>6/14/20</a:t>
             </a:fld>
             <a:endParaRPr lang="en-US"/>
           </a:p>
@@ -893,7 +916,7 @@
           <a:p>
             <a:fld id="{B4805629-43F6-3C4F-A3A1-18FEAB524198}" type="datetimeFigureOut">
               <a:rPr lang="en-US" smtClean="0"/>
-              <a:t>6/3/20</a:t>
+              <a:t>6/14/20</a:t>
             </a:fld>
             <a:endParaRPr lang="en-US"/>
           </a:p>
@@ -1101,7 +1124,7 @@
           <a:p>
             <a:fld id="{B4805629-43F6-3C4F-A3A1-18FEAB524198}" type="datetimeFigureOut">
               <a:rPr lang="en-US" smtClean="0"/>
-              <a:t>6/3/20</a:t>
+              <a:t>6/14/20</a:t>
             </a:fld>
             <a:endParaRPr lang="en-US"/>
           </a:p>
@@ -1299,7 +1322,7 @@
           <a:p>
             <a:fld id="{B4805629-43F6-3C4F-A3A1-18FEAB524198}" type="datetimeFigureOut">
               <a:rPr lang="en-US" smtClean="0"/>
-              <a:t>6/3/20</a:t>
+              <a:t>6/14/20</a:t>
             </a:fld>
             <a:endParaRPr lang="en-US"/>
           </a:p>
@@ -1574,7 +1597,7 @@
           <a:p>
             <a:fld id="{B4805629-43F6-3C4F-A3A1-18FEAB524198}" type="datetimeFigureOut">
               <a:rPr lang="en-US" smtClean="0"/>
-              <a:t>6/3/20</a:t>
+              <a:t>6/14/20</a:t>
             </a:fld>
             <a:endParaRPr lang="en-US"/>
           </a:p>
@@ -1839,7 +1862,7 @@
           <a:p>
             <a:fld id="{B4805629-43F6-3C4F-A3A1-18FEAB524198}" type="datetimeFigureOut">
               <a:rPr lang="en-US" smtClean="0"/>
-              <a:t>6/3/20</a:t>
+              <a:t>6/14/20</a:t>
             </a:fld>
             <a:endParaRPr lang="en-US"/>
           </a:p>
@@ -2251,7 +2274,7 @@
           <a:p>
             <a:fld id="{B4805629-43F6-3C4F-A3A1-18FEAB524198}" type="datetimeFigureOut">
               <a:rPr lang="en-US" smtClean="0"/>
-              <a:t>6/3/20</a:t>
+              <a:t>6/14/20</a:t>
             </a:fld>
             <a:endParaRPr lang="en-US"/>
           </a:p>
@@ -2392,7 +2415,7 @@
           <a:p>
             <a:fld id="{B4805629-43F6-3C4F-A3A1-18FEAB524198}" type="datetimeFigureOut">
               <a:rPr lang="en-US" smtClean="0"/>
-              <a:t>6/3/20</a:t>
+              <a:t>6/14/20</a:t>
             </a:fld>
             <a:endParaRPr lang="en-US"/>
           </a:p>
@@ -2505,7 +2528,7 @@
           <a:p>
             <a:fld id="{B4805629-43F6-3C4F-A3A1-18FEAB524198}" type="datetimeFigureOut">
               <a:rPr lang="en-US" smtClean="0"/>
-              <a:t>6/3/20</a:t>
+              <a:t>6/14/20</a:t>
             </a:fld>
             <a:endParaRPr lang="en-US"/>
           </a:p>
@@ -2816,7 +2839,7 @@
           <a:p>
             <a:fld id="{B4805629-43F6-3C4F-A3A1-18FEAB524198}" type="datetimeFigureOut">
               <a:rPr lang="en-US" smtClean="0"/>
-              <a:t>6/3/20</a:t>
+              <a:t>6/14/20</a:t>
             </a:fld>
             <a:endParaRPr lang="en-US"/>
           </a:p>
@@ -3104,7 +3127,7 @@
           <a:p>
             <a:fld id="{B4805629-43F6-3C4F-A3A1-18FEAB524198}" type="datetimeFigureOut">
               <a:rPr lang="en-US" smtClean="0"/>
-              <a:t>6/3/20</a:t>
+              <a:t>6/14/20</a:t>
             </a:fld>
             <a:endParaRPr lang="en-US"/>
           </a:p>
@@ -3345,7 +3368,7 @@
           <a:p>
             <a:fld id="{B4805629-43F6-3C4F-A3A1-18FEAB524198}" type="datetimeFigureOut">
               <a:rPr lang="en-US" smtClean="0"/>
-              <a:t>6/3/20</a:t>
+              <a:t>6/14/20</a:t>
             </a:fld>
             <a:endParaRPr lang="en-US"/>
           </a:p>
@@ -3767,15 +3790,122 @@
           <p:cNvPr id="2" name="Title 1">
             <a:extLst>
               <a:ext uri="{FF2B5EF4-FFF2-40B4-BE49-F238E27FC236}">
-                <a16:creationId xmlns:a16="http://schemas.microsoft.com/office/drawing/2014/main" id="{D84FD462-78F6-1744-88DC-90F986F10A2F}"/>
-              </a:ext>
-            </a:extLst>
-          </p:cNvPr>
-          <p:cNvSpPr>
-            <a:spLocks noGrp="1"/>
-          </p:cNvSpPr>
-          <p:nvPr>
-            <p:ph type="ctrTitle"/>
+                <a16:creationId xmlns:a16="http://schemas.microsoft.com/office/drawing/2014/main" id="{CBCC2D99-A2BA-C743-9C28-3F8F66D71203}"/>
+              </a:ext>
+            </a:extLst>
+          </p:cNvPr>
+          <p:cNvSpPr>
+            <a:spLocks noGrp="1"/>
+          </p:cNvSpPr>
+          <p:nvPr>
+            <p:ph type="title"/>
+          </p:nvPr>
+        </p:nvSpPr>
+        <p:spPr>
+          <a:xfrm>
+            <a:off x="2383221" y="2103437"/>
+            <a:ext cx="10515600" cy="1325563"/>
+          </a:xfrm>
+        </p:spPr>
+        <p:txBody>
+          <a:bodyPr/>
+          <a:lstStyle/>
+          <a:p>
+            <a:r>
+              <a:rPr lang="en-US" dirty="0"/>
+              <a:t>Access the slides and files here: </a:t>
+            </a:r>
+            <a:br>
+              <a:rPr lang="en-US" dirty="0"/>
+            </a:br>
+            <a:r>
+              <a:rPr lang="en-US" dirty="0"/>
+              <a:t>	</a:t>
+            </a:r>
+          </a:p>
+        </p:txBody>
+      </p:sp>
+      <p:sp>
+        <p:nvSpPr>
+          <p:cNvPr id="4" name="Rectangle 3">
+            <a:extLst>
+              <a:ext uri="{FF2B5EF4-FFF2-40B4-BE49-F238E27FC236}">
+                <a16:creationId xmlns:a16="http://schemas.microsoft.com/office/drawing/2014/main" id="{6B53121B-F976-974C-8963-03F6AF4F9F81}"/>
+              </a:ext>
+            </a:extLst>
+          </p:cNvPr>
+          <p:cNvSpPr/>
+          <p:nvPr/>
+        </p:nvSpPr>
+        <p:spPr>
+          <a:xfrm>
+            <a:off x="1316390" y="3038855"/>
+            <a:ext cx="8961749" cy="584775"/>
+          </a:xfrm>
+          <a:prstGeom prst="rect">
+            <a:avLst/>
+          </a:prstGeom>
+        </p:spPr>
+        <p:txBody>
+          <a:bodyPr wrap="none">
+            <a:spAutoFit/>
+          </a:bodyPr>
+          <a:lstStyle/>
+          <a:p>
+            <a:r>
+              <a:rPr lang="en-US" sz="3200" dirty="0">
+                <a:hlinkClick r:id="rId2"/>
+              </a:rPr>
+              <a:t>https://github.com/j-berg/bioinformatics_bootcamp</a:t>
+            </a:r>
+            <a:endParaRPr lang="en-US" sz="3200" dirty="0"/>
+          </a:p>
+        </p:txBody>
+      </p:sp>
+    </p:spTree>
+    <p:extLst>
+      <p:ext uri="{BB962C8B-B14F-4D97-AF65-F5344CB8AC3E}">
+        <p14:creationId xmlns:p14="http://schemas.microsoft.com/office/powerpoint/2010/main" val="329954687"/>
+      </p:ext>
+    </p:extLst>
+  </p:cSld>
+  <p:clrMapOvr>
+    <a:masterClrMapping/>
+  </p:clrMapOvr>
+</p:sld>
+</file>
+
+<file path=ppt/slides/slide10.xml><?xml version="1.0" encoding="utf-8"?>
+<p:sld xmlns:a="http://schemas.openxmlformats.org/drawingml/2006/main" xmlns:r="http://schemas.openxmlformats.org/officeDocument/2006/relationships" xmlns:p="http://schemas.openxmlformats.org/presentationml/2006/main">
+  <p:cSld>
+    <p:spTree>
+      <p:nvGrpSpPr>
+        <p:cNvPr id="1" name=""/>
+        <p:cNvGrpSpPr/>
+        <p:nvPr/>
+      </p:nvGrpSpPr>
+      <p:grpSpPr>
+        <a:xfrm>
+          <a:off x="0" y="0"/>
+          <a:ext cx="0" cy="0"/>
+          <a:chOff x="0" y="0"/>
+          <a:chExt cx="0" cy="0"/>
+        </a:xfrm>
+      </p:grpSpPr>
+      <p:sp>
+        <p:nvSpPr>
+          <p:cNvPr id="2" name="Title 1">
+            <a:extLst>
+              <a:ext uri="{FF2B5EF4-FFF2-40B4-BE49-F238E27FC236}">
+                <a16:creationId xmlns:a16="http://schemas.microsoft.com/office/drawing/2014/main" id="{51FB27D2-F10C-D843-8567-2C3427209169}"/>
+              </a:ext>
+            </a:extLst>
+          </p:cNvPr>
+          <p:cNvSpPr>
+            <a:spLocks noGrp="1"/>
+          </p:cNvSpPr>
+          <p:nvPr>
+            <p:ph type="title"/>
           </p:nvPr>
         </p:nvSpPr>
         <p:spPr/>
@@ -3785,25 +3915,963 @@
           <a:p>
             <a:r>
               <a:rPr lang="en-US" dirty="0"/>
-              <a:t>#3.1</a:t>
-            </a:r>
-          </a:p>
-        </p:txBody>
-      </p:sp>
-      <p:sp>
-        <p:nvSpPr>
-          <p:cNvPr id="3" name="Subtitle 2">
-            <a:extLst>
-              <a:ext uri="{FF2B5EF4-FFF2-40B4-BE49-F238E27FC236}">
-                <a16:creationId xmlns:a16="http://schemas.microsoft.com/office/drawing/2014/main" id="{C5B9582C-40E6-9F40-82E3-C38CD19A441E}"/>
-              </a:ext>
-            </a:extLst>
-          </p:cNvPr>
-          <p:cNvSpPr>
-            <a:spLocks noGrp="1"/>
-          </p:cNvSpPr>
-          <p:nvPr>
-            <p:ph type="subTitle" idx="1"/>
+              <a:t>Floats and doubles</a:t>
+            </a:r>
+          </a:p>
+        </p:txBody>
+      </p:sp>
+      <p:sp>
+        <p:nvSpPr>
+          <p:cNvPr id="3" name="Content Placeholder 2">
+            <a:extLst>
+              <a:ext uri="{FF2B5EF4-FFF2-40B4-BE49-F238E27FC236}">
+                <a16:creationId xmlns:a16="http://schemas.microsoft.com/office/drawing/2014/main" id="{107470BB-D4B3-DC47-90B8-336CED995CB9}"/>
+              </a:ext>
+            </a:extLst>
+          </p:cNvPr>
+          <p:cNvSpPr>
+            <a:spLocks noGrp="1"/>
+          </p:cNvSpPr>
+          <p:nvPr>
+            <p:ph idx="1"/>
+          </p:nvPr>
+        </p:nvSpPr>
+        <p:spPr/>
+        <p:txBody>
+          <a:bodyPr>
+            <a:normAutofit lnSpcReduction="10000"/>
+          </a:bodyPr>
+          <a:lstStyle/>
+          <a:p>
+            <a:r>
+              <a:rPr lang="en-US" dirty="0"/>
+              <a:t>Floating point value</a:t>
+            </a:r>
+          </a:p>
+          <a:p>
+            <a:r>
+              <a:rPr lang="en-US" dirty="0"/>
+              <a:t>Represents a fractional value</a:t>
+            </a:r>
+          </a:p>
+          <a:p>
+            <a:r>
+              <a:rPr lang="en-US" dirty="0"/>
+              <a:t>Depending on your system, can have increased precision</a:t>
+            </a:r>
+          </a:p>
+          <a:p>
+            <a:r>
+              <a:rPr lang="en-US" dirty="0"/>
+              <a:t>Ever wonder what the difference is between a 32-bit and 64-bit OS?</a:t>
+            </a:r>
+          </a:p>
+          <a:p>
+            <a:pPr lvl="1"/>
+            <a:r>
+              <a:rPr lang="en-US" dirty="0"/>
+              <a:t>32-bit can access 2</a:t>
+            </a:r>
+            <a:r>
+              <a:rPr lang="en-US" baseline="30000" dirty="0"/>
+              <a:t>32</a:t>
+            </a:r>
+            <a:r>
+              <a:rPr lang="en-US" dirty="0"/>
+              <a:t> memory addresses</a:t>
+            </a:r>
+          </a:p>
+          <a:p>
+            <a:pPr lvl="1"/>
+            <a:r>
+              <a:rPr lang="en-US" dirty="0"/>
+              <a:t>64-bit can access 2</a:t>
+            </a:r>
+            <a:r>
+              <a:rPr lang="en-US" baseline="30000" dirty="0"/>
+              <a:t>64</a:t>
+            </a:r>
+            <a:r>
+              <a:rPr lang="en-US" dirty="0"/>
+              <a:t> memory addresses</a:t>
+            </a:r>
+          </a:p>
+          <a:p>
+            <a:pPr lvl="1"/>
+            <a:r>
+              <a:rPr lang="en-US" dirty="0"/>
+              <a:t>Float -&gt; up to 32 points of precision </a:t>
+            </a:r>
+          </a:p>
+          <a:p>
+            <a:pPr lvl="1"/>
+            <a:r>
+              <a:rPr lang="en-US" dirty="0"/>
+              <a:t>Double -&gt; up to 64 points of precision (Python will call this a “float”</a:t>
+            </a:r>
+            <a:r>
+              <a:rPr lang="en-US" dirty="0">
+                <a:sym typeface="Wingdings" pitchFamily="2" charset="2"/>
+              </a:rPr>
+              <a:t>)</a:t>
+            </a:r>
+            <a:endParaRPr lang="en-US" dirty="0"/>
+          </a:p>
+          <a:p>
+            <a:r>
+              <a:rPr lang="en-US" dirty="0"/>
+              <a:t>By being able to represent higher precision values, able to develop more complicated procedures, </a:t>
+            </a:r>
+            <a:r>
+              <a:rPr lang="en-US" dirty="0" err="1"/>
+              <a:t>etc</a:t>
+            </a:r>
+            <a:endParaRPr lang="en-US" dirty="0"/>
+          </a:p>
+          <a:p>
+            <a:pPr lvl="1"/>
+            <a:endParaRPr lang="en-US" dirty="0"/>
+          </a:p>
+          <a:p>
+            <a:pPr lvl="1"/>
+            <a:endParaRPr lang="en-US" dirty="0"/>
+          </a:p>
+        </p:txBody>
+      </p:sp>
+    </p:spTree>
+    <p:extLst>
+      <p:ext uri="{BB962C8B-B14F-4D97-AF65-F5344CB8AC3E}">
+        <p14:creationId xmlns:p14="http://schemas.microsoft.com/office/powerpoint/2010/main" val="3869573427"/>
+      </p:ext>
+    </p:extLst>
+  </p:cSld>
+  <p:clrMapOvr>
+    <a:masterClrMapping/>
+  </p:clrMapOvr>
+</p:sld>
+</file>
+
+<file path=ppt/slides/slide11.xml><?xml version="1.0" encoding="utf-8"?>
+<p:sld xmlns:a="http://schemas.openxmlformats.org/drawingml/2006/main" xmlns:r="http://schemas.openxmlformats.org/officeDocument/2006/relationships" xmlns:p="http://schemas.openxmlformats.org/presentationml/2006/main">
+  <p:cSld>
+    <p:spTree>
+      <p:nvGrpSpPr>
+        <p:cNvPr id="1" name=""/>
+        <p:cNvGrpSpPr/>
+        <p:nvPr/>
+      </p:nvGrpSpPr>
+      <p:grpSpPr>
+        <a:xfrm>
+          <a:off x="0" y="0"/>
+          <a:ext cx="0" cy="0"/>
+          <a:chOff x="0" y="0"/>
+          <a:chExt cx="0" cy="0"/>
+        </a:xfrm>
+      </p:grpSpPr>
+      <p:sp>
+        <p:nvSpPr>
+          <p:cNvPr id="2" name="Title 1">
+            <a:extLst>
+              <a:ext uri="{FF2B5EF4-FFF2-40B4-BE49-F238E27FC236}">
+                <a16:creationId xmlns:a16="http://schemas.microsoft.com/office/drawing/2014/main" id="{4605A266-36E3-CE4F-912F-242DD1021107}"/>
+              </a:ext>
+            </a:extLst>
+          </p:cNvPr>
+          <p:cNvSpPr>
+            <a:spLocks noGrp="1"/>
+          </p:cNvSpPr>
+          <p:nvPr>
+            <p:ph type="title"/>
+          </p:nvPr>
+        </p:nvSpPr>
+        <p:spPr/>
+        <p:txBody>
+          <a:bodyPr/>
+          <a:lstStyle/>
+          <a:p>
+            <a:r>
+              <a:rPr lang="en-US" dirty="0"/>
+              <a:t>Mixing data types</a:t>
+            </a:r>
+          </a:p>
+        </p:txBody>
+      </p:sp>
+      <p:sp>
+        <p:nvSpPr>
+          <p:cNvPr id="3" name="Content Placeholder 2">
+            <a:extLst>
+              <a:ext uri="{FF2B5EF4-FFF2-40B4-BE49-F238E27FC236}">
+                <a16:creationId xmlns:a16="http://schemas.microsoft.com/office/drawing/2014/main" id="{3A0FD770-2933-374D-B812-4A9F0EBEC4A6}"/>
+              </a:ext>
+            </a:extLst>
+          </p:cNvPr>
+          <p:cNvSpPr>
+            <a:spLocks noGrp="1"/>
+          </p:cNvSpPr>
+          <p:nvPr>
+            <p:ph idx="1"/>
+          </p:nvPr>
+        </p:nvSpPr>
+        <p:spPr/>
+        <p:txBody>
+          <a:bodyPr>
+            <a:normAutofit fontScale="85000" lnSpcReduction="20000"/>
+          </a:bodyPr>
+          <a:lstStyle/>
+          <a:p>
+            <a:r>
+              <a:rPr lang="en-US" dirty="0"/>
+              <a:t>Combining datatypes may lead to incompatibilities, errors, so be aware!</a:t>
+            </a:r>
+          </a:p>
+          <a:p>
+            <a:r>
+              <a:rPr lang="en-US" dirty="0"/>
+              <a:t>Converting a float to an integer will lose precision</a:t>
+            </a:r>
+          </a:p>
+          <a:p>
+            <a:pPr marL="457200" lvl="1" indent="0">
+              <a:buNone/>
+            </a:pPr>
+            <a:r>
+              <a:rPr lang="en-US" dirty="0">
+                <a:latin typeface="Consolas" panose="020B0609020204030204" pitchFamily="49" charset="0"/>
+                <a:cs typeface="Consolas" panose="020B0609020204030204" pitchFamily="49" charset="0"/>
+              </a:rPr>
+              <a:t>&gt;&gt;&gt; x = 1.234567890123456789</a:t>
+            </a:r>
+          </a:p>
+          <a:p>
+            <a:pPr marL="457200" lvl="1" indent="0">
+              <a:buNone/>
+            </a:pPr>
+            <a:r>
+              <a:rPr lang="en-US" dirty="0">
+                <a:latin typeface="Consolas" panose="020B0609020204030204" pitchFamily="49" charset="0"/>
+                <a:cs typeface="Consolas" panose="020B0609020204030204" pitchFamily="49" charset="0"/>
+              </a:rPr>
+              <a:t>&gt;&gt;&gt; y = int(x)</a:t>
+            </a:r>
+          </a:p>
+          <a:p>
+            <a:pPr marL="457200" lvl="1" indent="0">
+              <a:buNone/>
+            </a:pPr>
+            <a:endParaRPr lang="en-US" dirty="0">
+              <a:latin typeface="Consolas" panose="020B0609020204030204" pitchFamily="49" charset="0"/>
+              <a:cs typeface="Consolas" panose="020B0609020204030204" pitchFamily="49" charset="0"/>
+            </a:endParaRPr>
+          </a:p>
+          <a:p>
+            <a:pPr marL="457200" lvl="1" indent="0">
+              <a:buNone/>
+            </a:pPr>
+            <a:r>
+              <a:rPr lang="en-US" dirty="0">
+                <a:latin typeface="Consolas" panose="020B0609020204030204" pitchFamily="49" charset="0"/>
+                <a:cs typeface="Consolas" panose="020B0609020204030204" pitchFamily="49" charset="0"/>
+              </a:rPr>
+              <a:t>&gt;&gt;&gt; print(x)</a:t>
+            </a:r>
+          </a:p>
+          <a:p>
+            <a:pPr marL="457200" lvl="1" indent="0">
+              <a:buNone/>
+            </a:pPr>
+            <a:r>
+              <a:rPr lang="en-US" dirty="0">
+                <a:latin typeface="Consolas" panose="020B0609020204030204" pitchFamily="49" charset="0"/>
+                <a:cs typeface="Consolas" panose="020B0609020204030204" pitchFamily="49" charset="0"/>
+              </a:rPr>
+              <a:t>1.2345678901234567</a:t>
+            </a:r>
+          </a:p>
+          <a:p>
+            <a:pPr marL="457200" lvl="1" indent="0">
+              <a:buNone/>
+            </a:pPr>
+            <a:r>
+              <a:rPr lang="en-US" dirty="0">
+                <a:latin typeface="Consolas" panose="020B0609020204030204" pitchFamily="49" charset="0"/>
+                <a:cs typeface="Consolas" panose="020B0609020204030204" pitchFamily="49" charset="0"/>
+              </a:rPr>
+              <a:t>&gt;&gt;&gt; type(x)</a:t>
+            </a:r>
+          </a:p>
+          <a:p>
+            <a:pPr marL="457200" lvl="1" indent="0">
+              <a:buNone/>
+            </a:pPr>
+            <a:r>
+              <a:rPr lang="en-US" dirty="0">
+                <a:latin typeface="Consolas" panose="020B0609020204030204" pitchFamily="49" charset="0"/>
+                <a:cs typeface="Consolas" panose="020B0609020204030204" pitchFamily="49" charset="0"/>
+              </a:rPr>
+              <a:t>&lt;class 'float’&gt;</a:t>
+            </a:r>
+          </a:p>
+          <a:p>
+            <a:pPr marL="457200" lvl="1" indent="0">
+              <a:buNone/>
+            </a:pPr>
+            <a:endParaRPr lang="en-US" dirty="0">
+              <a:latin typeface="Consolas" panose="020B0609020204030204" pitchFamily="49" charset="0"/>
+              <a:cs typeface="Consolas" panose="020B0609020204030204" pitchFamily="49" charset="0"/>
+            </a:endParaRPr>
+          </a:p>
+          <a:p>
+            <a:pPr marL="457200" lvl="1" indent="0">
+              <a:buNone/>
+            </a:pPr>
+            <a:r>
+              <a:rPr lang="en-US" dirty="0">
+                <a:latin typeface="Consolas" panose="020B0609020204030204" pitchFamily="49" charset="0"/>
+                <a:cs typeface="Consolas" panose="020B0609020204030204" pitchFamily="49" charset="0"/>
+              </a:rPr>
+              <a:t>&gt;&gt;&gt; type(y)</a:t>
+            </a:r>
+          </a:p>
+          <a:p>
+            <a:pPr marL="457200" lvl="1" indent="0">
+              <a:buNone/>
+            </a:pPr>
+            <a:r>
+              <a:rPr lang="en-US" dirty="0">
+                <a:latin typeface="Consolas" panose="020B0609020204030204" pitchFamily="49" charset="0"/>
+                <a:cs typeface="Consolas" panose="020B0609020204030204" pitchFamily="49" charset="0"/>
+              </a:rPr>
+              <a:t>&lt;class 'int’&gt;</a:t>
+            </a:r>
+          </a:p>
+          <a:p>
+            <a:pPr marL="457200" lvl="1" indent="0">
+              <a:buNone/>
+            </a:pPr>
+            <a:r>
+              <a:rPr lang="en-US" dirty="0">
+                <a:latin typeface="Consolas" panose="020B0609020204030204" pitchFamily="49" charset="0"/>
+                <a:cs typeface="Consolas" panose="020B0609020204030204" pitchFamily="49" charset="0"/>
+              </a:rPr>
+              <a:t>&gt;&gt;&gt; print(y)</a:t>
+            </a:r>
+          </a:p>
+          <a:p>
+            <a:pPr marL="457200" lvl="1" indent="0">
+              <a:buNone/>
+            </a:pPr>
+            <a:r>
+              <a:rPr lang="en-US" dirty="0">
+                <a:latin typeface="Consolas" panose="020B0609020204030204" pitchFamily="49" charset="0"/>
+                <a:cs typeface="Consolas" panose="020B0609020204030204" pitchFamily="49" charset="0"/>
+              </a:rPr>
+              <a:t>1</a:t>
+            </a:r>
+          </a:p>
+        </p:txBody>
+      </p:sp>
+    </p:spTree>
+    <p:extLst>
+      <p:ext uri="{BB962C8B-B14F-4D97-AF65-F5344CB8AC3E}">
+        <p14:creationId xmlns:p14="http://schemas.microsoft.com/office/powerpoint/2010/main" val="1855311865"/>
+      </p:ext>
+    </p:extLst>
+  </p:cSld>
+  <p:clrMapOvr>
+    <a:masterClrMapping/>
+  </p:clrMapOvr>
+</p:sld>
+</file>
+
+<file path=ppt/slides/slide12.xml><?xml version="1.0" encoding="utf-8"?>
+<p:sld xmlns:a="http://schemas.openxmlformats.org/drawingml/2006/main" xmlns:r="http://schemas.openxmlformats.org/officeDocument/2006/relationships" xmlns:p="http://schemas.openxmlformats.org/presentationml/2006/main">
+  <p:cSld>
+    <p:spTree>
+      <p:nvGrpSpPr>
+        <p:cNvPr id="1" name=""/>
+        <p:cNvGrpSpPr/>
+        <p:nvPr/>
+      </p:nvGrpSpPr>
+      <p:grpSpPr>
+        <a:xfrm>
+          <a:off x="0" y="0"/>
+          <a:ext cx="0" cy="0"/>
+          <a:chOff x="0" y="0"/>
+          <a:chExt cx="0" cy="0"/>
+        </a:xfrm>
+      </p:grpSpPr>
+      <p:sp>
+        <p:nvSpPr>
+          <p:cNvPr id="2" name="Title 1">
+            <a:extLst>
+              <a:ext uri="{FF2B5EF4-FFF2-40B4-BE49-F238E27FC236}">
+                <a16:creationId xmlns:a16="http://schemas.microsoft.com/office/drawing/2014/main" id="{1CA5EC92-1B42-1C46-A9E5-3626219D428B}"/>
+              </a:ext>
+            </a:extLst>
+          </p:cNvPr>
+          <p:cNvSpPr>
+            <a:spLocks noGrp="1"/>
+          </p:cNvSpPr>
+          <p:nvPr>
+            <p:ph type="title"/>
+          </p:nvPr>
+        </p:nvSpPr>
+        <p:spPr/>
+        <p:txBody>
+          <a:bodyPr/>
+          <a:lstStyle/>
+          <a:p>
+            <a:r>
+              <a:rPr lang="en-US" dirty="0"/>
+              <a:t>Strings</a:t>
+            </a:r>
+          </a:p>
+        </p:txBody>
+      </p:sp>
+      <p:sp>
+        <p:nvSpPr>
+          <p:cNvPr id="3" name="Content Placeholder 2">
+            <a:extLst>
+              <a:ext uri="{FF2B5EF4-FFF2-40B4-BE49-F238E27FC236}">
+                <a16:creationId xmlns:a16="http://schemas.microsoft.com/office/drawing/2014/main" id="{6CFFFD8B-3E94-8C49-9320-224C805DDB20}"/>
+              </a:ext>
+            </a:extLst>
+          </p:cNvPr>
+          <p:cNvSpPr>
+            <a:spLocks noGrp="1"/>
+          </p:cNvSpPr>
+          <p:nvPr>
+            <p:ph idx="1"/>
+          </p:nvPr>
+        </p:nvSpPr>
+        <p:spPr/>
+        <p:txBody>
+          <a:bodyPr>
+            <a:normAutofit fontScale="85000" lnSpcReduction="20000"/>
+          </a:bodyPr>
+          <a:lstStyle/>
+          <a:p>
+            <a:r>
+              <a:rPr lang="en-US" dirty="0"/>
+              <a:t>Represents text instead of numbers </a:t>
+            </a:r>
+          </a:p>
+          <a:p>
+            <a:r>
+              <a:rPr lang="en-US" dirty="0"/>
+              <a:t>Generally indicated with quotes</a:t>
+            </a:r>
+          </a:p>
+          <a:p>
+            <a:r>
+              <a:rPr lang="en-US" dirty="0"/>
+              <a:t>Can force integers and floats/doubles to strings</a:t>
+            </a:r>
+          </a:p>
+          <a:p>
+            <a:pPr marL="0" indent="0">
+              <a:buNone/>
+            </a:pPr>
+            <a:r>
+              <a:rPr lang="en-US" dirty="0">
+                <a:latin typeface="Consolas" panose="020B0609020204030204" pitchFamily="49" charset="0"/>
+                <a:cs typeface="Consolas" panose="020B0609020204030204" pitchFamily="49" charset="0"/>
+              </a:rPr>
+              <a:t>&gt;&gt;&gt; x = “Hello world!”</a:t>
+            </a:r>
+          </a:p>
+          <a:p>
+            <a:pPr marL="0" indent="0">
+              <a:buNone/>
+            </a:pPr>
+            <a:r>
+              <a:rPr lang="en-US" dirty="0">
+                <a:latin typeface="Consolas" panose="020B0609020204030204" pitchFamily="49" charset="0"/>
+                <a:cs typeface="Consolas" panose="020B0609020204030204" pitchFamily="49" charset="0"/>
+              </a:rPr>
+              <a:t>&gt;&gt;&gt; print(x)</a:t>
+            </a:r>
+          </a:p>
+          <a:p>
+            <a:pPr marL="0" indent="0">
+              <a:buNone/>
+            </a:pPr>
+            <a:r>
+              <a:rPr lang="en-US" dirty="0">
+                <a:latin typeface="Consolas" panose="020B0609020204030204" pitchFamily="49" charset="0"/>
+                <a:cs typeface="Consolas" panose="020B0609020204030204" pitchFamily="49" charset="0"/>
+              </a:rPr>
+              <a:t>Hello world!</a:t>
+            </a:r>
+          </a:p>
+          <a:p>
+            <a:pPr marL="0" indent="0">
+              <a:buNone/>
+            </a:pPr>
+            <a:endParaRPr lang="en-US" dirty="0">
+              <a:latin typeface="Consolas" panose="020B0609020204030204" pitchFamily="49" charset="0"/>
+              <a:cs typeface="Consolas" panose="020B0609020204030204" pitchFamily="49" charset="0"/>
+            </a:endParaRPr>
+          </a:p>
+          <a:p>
+            <a:pPr marL="0" indent="0">
+              <a:buNone/>
+            </a:pPr>
+            <a:r>
+              <a:rPr lang="en-US" dirty="0">
+                <a:latin typeface="Consolas" panose="020B0609020204030204" pitchFamily="49" charset="0"/>
+                <a:cs typeface="Consolas" panose="020B0609020204030204" pitchFamily="49" charset="0"/>
+              </a:rPr>
+              <a:t>&gt;&gt;&gt; y = 1.23456789</a:t>
+            </a:r>
+          </a:p>
+          <a:p>
+            <a:pPr marL="0" indent="0">
+              <a:buNone/>
+            </a:pPr>
+            <a:r>
+              <a:rPr lang="en-US" dirty="0">
+                <a:latin typeface="Consolas" panose="020B0609020204030204" pitchFamily="49" charset="0"/>
+                <a:cs typeface="Consolas" panose="020B0609020204030204" pitchFamily="49" charset="0"/>
+              </a:rPr>
+              <a:t>&gt;&gt;&gt; y = str(y)</a:t>
+            </a:r>
+          </a:p>
+          <a:p>
+            <a:pPr marL="0" indent="0">
+              <a:buNone/>
+            </a:pPr>
+            <a:r>
+              <a:rPr lang="en-US" dirty="0">
+                <a:latin typeface="Consolas" panose="020B0609020204030204" pitchFamily="49" charset="0"/>
+                <a:cs typeface="Consolas" panose="020B0609020204030204" pitchFamily="49" charset="0"/>
+              </a:rPr>
+              <a:t>&gt;&gt;&gt; print(x, y)</a:t>
+            </a:r>
+          </a:p>
+          <a:p>
+            <a:pPr marL="0" indent="0">
+              <a:buNone/>
+            </a:pPr>
+            <a:r>
+              <a:rPr lang="en-US" dirty="0">
+                <a:latin typeface="Consolas" panose="020B0609020204030204" pitchFamily="49" charset="0"/>
+                <a:cs typeface="Consolas" panose="020B0609020204030204" pitchFamily="49" charset="0"/>
+              </a:rPr>
+              <a:t>Hello world! 1.23456789</a:t>
+            </a:r>
+          </a:p>
+        </p:txBody>
+      </p:sp>
+    </p:spTree>
+    <p:extLst>
+      <p:ext uri="{BB962C8B-B14F-4D97-AF65-F5344CB8AC3E}">
+        <p14:creationId xmlns:p14="http://schemas.microsoft.com/office/powerpoint/2010/main" val="3930274446"/>
+      </p:ext>
+    </p:extLst>
+  </p:cSld>
+  <p:clrMapOvr>
+    <a:masterClrMapping/>
+  </p:clrMapOvr>
+</p:sld>
+</file>
+
+<file path=ppt/slides/slide13.xml><?xml version="1.0" encoding="utf-8"?>
+<p:sld xmlns:a="http://schemas.openxmlformats.org/drawingml/2006/main" xmlns:r="http://schemas.openxmlformats.org/officeDocument/2006/relationships" xmlns:p="http://schemas.openxmlformats.org/presentationml/2006/main">
+  <p:cSld>
+    <p:spTree>
+      <p:nvGrpSpPr>
+        <p:cNvPr id="1" name=""/>
+        <p:cNvGrpSpPr/>
+        <p:nvPr/>
+      </p:nvGrpSpPr>
+      <p:grpSpPr>
+        <a:xfrm>
+          <a:off x="0" y="0"/>
+          <a:ext cx="0" cy="0"/>
+          <a:chOff x="0" y="0"/>
+          <a:chExt cx="0" cy="0"/>
+        </a:xfrm>
+      </p:grpSpPr>
+      <p:sp>
+        <p:nvSpPr>
+          <p:cNvPr id="2" name="Title 1">
+            <a:extLst>
+              <a:ext uri="{FF2B5EF4-FFF2-40B4-BE49-F238E27FC236}">
+                <a16:creationId xmlns:a16="http://schemas.microsoft.com/office/drawing/2014/main" id="{F5A40322-63FA-A74F-A3F7-9885FBDF184A}"/>
+              </a:ext>
+            </a:extLst>
+          </p:cNvPr>
+          <p:cNvSpPr>
+            <a:spLocks noGrp="1"/>
+          </p:cNvSpPr>
+          <p:nvPr>
+            <p:ph type="title"/>
+          </p:nvPr>
+        </p:nvSpPr>
+        <p:spPr/>
+        <p:txBody>
+          <a:bodyPr/>
+          <a:lstStyle/>
+          <a:p>
+            <a:r>
+              <a:rPr lang="en-US" dirty="0"/>
+              <a:t>Arrays</a:t>
+            </a:r>
+          </a:p>
+        </p:txBody>
+      </p:sp>
+      <p:sp>
+        <p:nvSpPr>
+          <p:cNvPr id="3" name="Content Placeholder 2">
+            <a:extLst>
+              <a:ext uri="{FF2B5EF4-FFF2-40B4-BE49-F238E27FC236}">
+                <a16:creationId xmlns:a16="http://schemas.microsoft.com/office/drawing/2014/main" id="{0B773E5B-2F50-8A40-A620-62CE6ED9AA53}"/>
+              </a:ext>
+            </a:extLst>
+          </p:cNvPr>
+          <p:cNvSpPr>
+            <a:spLocks noGrp="1"/>
+          </p:cNvSpPr>
+          <p:nvPr>
+            <p:ph idx="1"/>
+          </p:nvPr>
+        </p:nvSpPr>
+        <p:spPr/>
+        <p:txBody>
+          <a:bodyPr>
+            <a:normAutofit fontScale="62500" lnSpcReduction="20000"/>
+          </a:bodyPr>
+          <a:lstStyle/>
+          <a:p>
+            <a:r>
+              <a:rPr lang="en-US" dirty="0"/>
+              <a:t>A sequential, ordered list of values</a:t>
+            </a:r>
+          </a:p>
+          <a:p>
+            <a:pPr marL="0" indent="0">
+              <a:buNone/>
+            </a:pPr>
+            <a:r>
+              <a:rPr lang="en-US" dirty="0">
+                <a:latin typeface="Consolas" panose="020B0609020204030204" pitchFamily="49" charset="0"/>
+                <a:cs typeface="Consolas" panose="020B0609020204030204" pitchFamily="49" charset="0"/>
+              </a:rPr>
+              <a:t>&gt;&gt;&gt; x = [1,2,3]</a:t>
+            </a:r>
+          </a:p>
+          <a:p>
+            <a:pPr marL="0" indent="0">
+              <a:buNone/>
+            </a:pPr>
+            <a:r>
+              <a:rPr lang="en-US" dirty="0">
+                <a:latin typeface="Consolas" panose="020B0609020204030204" pitchFamily="49" charset="0"/>
+                <a:cs typeface="Consolas" panose="020B0609020204030204" pitchFamily="49" charset="0"/>
+              </a:rPr>
+              <a:t>&gt;&gt;&gt; y = [‘a’, ‘b’, ‘c’]</a:t>
+            </a:r>
+          </a:p>
+          <a:p>
+            <a:pPr marL="0" indent="0">
+              <a:buNone/>
+            </a:pPr>
+            <a:r>
+              <a:rPr lang="en-US" dirty="0">
+                <a:latin typeface="Consolas" panose="020B0609020204030204" pitchFamily="49" charset="0"/>
+                <a:cs typeface="Consolas" panose="020B0609020204030204" pitchFamily="49" charset="0"/>
+              </a:rPr>
+              <a:t>&gt;&gt;&gt; z = [1, 2, 3, “d”, “e”]</a:t>
+            </a:r>
+          </a:p>
+          <a:p>
+            <a:pPr marL="457200" lvl="1" indent="0">
+              <a:buNone/>
+            </a:pPr>
+            <a:endParaRPr lang="en-US" dirty="0"/>
+          </a:p>
+          <a:p>
+            <a:r>
+              <a:rPr lang="en-US" dirty="0"/>
+              <a:t>What happens when we try this?</a:t>
+            </a:r>
+          </a:p>
+          <a:p>
+            <a:pPr marL="0" indent="0">
+              <a:buNone/>
+            </a:pPr>
+            <a:r>
+              <a:rPr lang="en-US" dirty="0">
+                <a:latin typeface="Consolas" panose="020B0609020204030204" pitchFamily="49" charset="0"/>
+                <a:cs typeface="Consolas" panose="020B0609020204030204" pitchFamily="49" charset="0"/>
+              </a:rPr>
+              <a:t>&gt;&gt;&gt; </a:t>
+            </a:r>
+            <a:r>
+              <a:rPr lang="en-US" dirty="0" err="1">
+                <a:latin typeface="Consolas" panose="020B0609020204030204" pitchFamily="49" charset="0"/>
+                <a:cs typeface="Consolas" panose="020B0609020204030204" pitchFamily="49" charset="0"/>
+              </a:rPr>
+              <a:t>zz</a:t>
+            </a:r>
+            <a:r>
+              <a:rPr lang="en-US" dirty="0">
+                <a:latin typeface="Consolas" panose="020B0609020204030204" pitchFamily="49" charset="0"/>
+                <a:cs typeface="Consolas" panose="020B0609020204030204" pitchFamily="49" charset="0"/>
+              </a:rPr>
+              <a:t> = [x, y]</a:t>
+            </a:r>
+          </a:p>
+          <a:p>
+            <a:pPr marL="0" indent="0">
+              <a:buNone/>
+            </a:pPr>
+            <a:r>
+              <a:rPr lang="en-US" dirty="0">
+                <a:latin typeface="Consolas" panose="020B0609020204030204" pitchFamily="49" charset="0"/>
+                <a:cs typeface="Consolas" panose="020B0609020204030204" pitchFamily="49" charset="0"/>
+              </a:rPr>
+              <a:t>[[ 1 ,  2 ,  3 ],</a:t>
+            </a:r>
+          </a:p>
+          <a:p>
+            <a:pPr marL="0" indent="0">
+              <a:buNone/>
+            </a:pPr>
+            <a:r>
+              <a:rPr lang="en-US" dirty="0">
+                <a:latin typeface="Consolas" panose="020B0609020204030204" pitchFamily="49" charset="0"/>
+                <a:cs typeface="Consolas" panose="020B0609020204030204" pitchFamily="49" charset="0"/>
+              </a:rPr>
+              <a:t> [‘a’, ‘b’, ‘c’]]</a:t>
+            </a:r>
+          </a:p>
+          <a:p>
+            <a:pPr marL="0" indent="0">
+              <a:buNone/>
+            </a:pPr>
+            <a:endParaRPr lang="en-US" dirty="0">
+              <a:latin typeface="Consolas" panose="020B0609020204030204" pitchFamily="49" charset="0"/>
+              <a:cs typeface="Consolas" panose="020B0609020204030204" pitchFamily="49" charset="0"/>
+            </a:endParaRPr>
+          </a:p>
+          <a:p>
+            <a:r>
+              <a:rPr lang="en-US" dirty="0">
+                <a:cs typeface="Consolas" panose="020B0609020204030204" pitchFamily="49" charset="0"/>
+              </a:rPr>
+              <a:t>Access something from an array</a:t>
+            </a:r>
+          </a:p>
+          <a:p>
+            <a:r>
+              <a:rPr lang="en-US" dirty="0">
+                <a:cs typeface="Consolas" panose="020B0609020204030204" pitchFamily="49" charset="0"/>
+              </a:rPr>
+              <a:t>What does this do?</a:t>
+            </a:r>
+          </a:p>
+          <a:p>
+            <a:pPr marL="0" indent="0">
+              <a:buNone/>
+            </a:pPr>
+            <a:r>
+              <a:rPr lang="en-US" dirty="0">
+                <a:latin typeface="Consolas" panose="020B0609020204030204" pitchFamily="49" charset="0"/>
+                <a:cs typeface="Consolas" panose="020B0609020204030204" pitchFamily="49" charset="0"/>
+              </a:rPr>
+              <a:t>&gt;&gt;&gt; </a:t>
+            </a:r>
+            <a:r>
+              <a:rPr lang="en-US" dirty="0" err="1">
+                <a:latin typeface="Consolas" panose="020B0609020204030204" pitchFamily="49" charset="0"/>
+                <a:cs typeface="Consolas" panose="020B0609020204030204" pitchFamily="49" charset="0"/>
+              </a:rPr>
+              <a:t>zz</a:t>
+            </a:r>
+            <a:r>
+              <a:rPr lang="en-US" dirty="0">
+                <a:latin typeface="Consolas" panose="020B0609020204030204" pitchFamily="49" charset="0"/>
+                <a:cs typeface="Consolas" panose="020B0609020204030204" pitchFamily="49" charset="0"/>
+              </a:rPr>
+              <a:t>[1][1]</a:t>
+            </a:r>
+          </a:p>
+          <a:p>
+            <a:r>
+              <a:rPr lang="en-US" dirty="0">
+                <a:cs typeface="Consolas" panose="020B0609020204030204" pitchFamily="49" charset="0"/>
+              </a:rPr>
+              <a:t>Why is the output ‘b’?</a:t>
+            </a:r>
+          </a:p>
+        </p:txBody>
+      </p:sp>
+    </p:spTree>
+    <p:extLst>
+      <p:ext uri="{BB962C8B-B14F-4D97-AF65-F5344CB8AC3E}">
+        <p14:creationId xmlns:p14="http://schemas.microsoft.com/office/powerpoint/2010/main" val="1215597713"/>
+      </p:ext>
+    </p:extLst>
+  </p:cSld>
+  <p:clrMapOvr>
+    <a:masterClrMapping/>
+  </p:clrMapOvr>
+</p:sld>
+</file>
+
+<file path=ppt/slides/slide14.xml><?xml version="1.0" encoding="utf-8"?>
+<p:sld xmlns:a="http://schemas.openxmlformats.org/drawingml/2006/main" xmlns:r="http://schemas.openxmlformats.org/officeDocument/2006/relationships" xmlns:p="http://schemas.openxmlformats.org/presentationml/2006/main">
+  <p:cSld>
+    <p:spTree>
+      <p:nvGrpSpPr>
+        <p:cNvPr id="1" name=""/>
+        <p:cNvGrpSpPr/>
+        <p:nvPr/>
+      </p:nvGrpSpPr>
+      <p:grpSpPr>
+        <a:xfrm>
+          <a:off x="0" y="0"/>
+          <a:ext cx="0" cy="0"/>
+          <a:chOff x="0" y="0"/>
+          <a:chExt cx="0" cy="0"/>
+        </a:xfrm>
+      </p:grpSpPr>
+      <p:sp>
+        <p:nvSpPr>
+          <p:cNvPr id="2" name="Title 1">
+            <a:extLst>
+              <a:ext uri="{FF2B5EF4-FFF2-40B4-BE49-F238E27FC236}">
+                <a16:creationId xmlns:a16="http://schemas.microsoft.com/office/drawing/2014/main" id="{16861822-EB46-7745-928A-21AB4CF17129}"/>
+              </a:ext>
+            </a:extLst>
+          </p:cNvPr>
+          <p:cNvSpPr>
+            <a:spLocks noGrp="1"/>
+          </p:cNvSpPr>
+          <p:nvPr>
+            <p:ph type="title"/>
+          </p:nvPr>
+        </p:nvSpPr>
+        <p:spPr/>
+        <p:txBody>
+          <a:bodyPr/>
+          <a:lstStyle/>
+          <a:p>
+            <a:r>
+              <a:rPr lang="en-US" dirty="0"/>
+              <a:t>Indexing</a:t>
+            </a:r>
+          </a:p>
+        </p:txBody>
+      </p:sp>
+      <p:sp>
+        <p:nvSpPr>
+          <p:cNvPr id="3" name="Content Placeholder 2">
+            <a:extLst>
+              <a:ext uri="{FF2B5EF4-FFF2-40B4-BE49-F238E27FC236}">
+                <a16:creationId xmlns:a16="http://schemas.microsoft.com/office/drawing/2014/main" id="{2E58518D-3131-E04A-BCA6-AABDF91C2503}"/>
+              </a:ext>
+            </a:extLst>
+          </p:cNvPr>
+          <p:cNvSpPr>
+            <a:spLocks noGrp="1"/>
+          </p:cNvSpPr>
+          <p:nvPr>
+            <p:ph idx="1"/>
+          </p:nvPr>
+        </p:nvSpPr>
+        <p:spPr/>
+        <p:txBody>
+          <a:bodyPr/>
+          <a:lstStyle/>
+          <a:p>
+            <a:r>
+              <a:rPr lang="en-US" dirty="0"/>
+              <a:t>Indices start at 0 in Python</a:t>
+            </a:r>
+          </a:p>
+          <a:p>
+            <a:r>
+              <a:rPr lang="en-US" dirty="0"/>
+              <a:t>This will vary language to language (R starts at 1)</a:t>
+            </a:r>
+          </a:p>
+        </p:txBody>
+      </p:sp>
+    </p:spTree>
+    <p:extLst>
+      <p:ext uri="{BB962C8B-B14F-4D97-AF65-F5344CB8AC3E}">
+        <p14:creationId xmlns:p14="http://schemas.microsoft.com/office/powerpoint/2010/main" val="3559483465"/>
+      </p:ext>
+    </p:extLst>
+  </p:cSld>
+  <p:clrMapOvr>
+    <a:masterClrMapping/>
+  </p:clrMapOvr>
+</p:sld>
+</file>
+
+<file path=ppt/slides/slide15.xml><?xml version="1.0" encoding="utf-8"?>
+<p:sld xmlns:a="http://schemas.openxmlformats.org/drawingml/2006/main" xmlns:r="http://schemas.openxmlformats.org/officeDocument/2006/relationships" xmlns:p="http://schemas.openxmlformats.org/presentationml/2006/main">
+  <p:cSld>
+    <p:spTree>
+      <p:nvGrpSpPr>
+        <p:cNvPr id="1" name=""/>
+        <p:cNvGrpSpPr/>
+        <p:nvPr/>
+      </p:nvGrpSpPr>
+      <p:grpSpPr>
+        <a:xfrm>
+          <a:off x="0" y="0"/>
+          <a:ext cx="0" cy="0"/>
+          <a:chOff x="0" y="0"/>
+          <a:chExt cx="0" cy="0"/>
+        </a:xfrm>
+      </p:grpSpPr>
+      <p:sp>
+        <p:nvSpPr>
+          <p:cNvPr id="2" name="Title 1">
+            <a:extLst>
+              <a:ext uri="{FF2B5EF4-FFF2-40B4-BE49-F238E27FC236}">
+                <a16:creationId xmlns:a16="http://schemas.microsoft.com/office/drawing/2014/main" id="{AE27443F-8407-5040-B831-1FF6D4F4AC6E}"/>
+              </a:ext>
+            </a:extLst>
+          </p:cNvPr>
+          <p:cNvSpPr>
+            <a:spLocks noGrp="1"/>
+          </p:cNvSpPr>
+          <p:nvPr>
+            <p:ph type="title"/>
+          </p:nvPr>
+        </p:nvSpPr>
+        <p:spPr/>
+        <p:txBody>
+          <a:bodyPr/>
+          <a:lstStyle/>
+          <a:p>
+            <a:r>
+              <a:rPr lang="en-US" dirty="0"/>
+              <a:t>Sets</a:t>
+            </a:r>
+          </a:p>
+        </p:txBody>
+      </p:sp>
+      <p:sp>
+        <p:nvSpPr>
+          <p:cNvPr id="3" name="Content Placeholder 2">
+            <a:extLst>
+              <a:ext uri="{FF2B5EF4-FFF2-40B4-BE49-F238E27FC236}">
+                <a16:creationId xmlns:a16="http://schemas.microsoft.com/office/drawing/2014/main" id="{50604780-DF34-FB49-8D12-3719B4551C73}"/>
+              </a:ext>
+            </a:extLst>
+          </p:cNvPr>
+          <p:cNvSpPr>
+            <a:spLocks noGrp="1"/>
+          </p:cNvSpPr>
+          <p:nvPr>
+            <p:ph idx="1"/>
           </p:nvPr>
         </p:nvSpPr>
         <p:spPr/>
@@ -3813,6 +4881,918 @@
           </a:bodyPr>
           <a:lstStyle/>
           <a:p>
+            <a:pPr marL="0" indent="0">
+              <a:buNone/>
+            </a:pPr>
+            <a:r>
+              <a:rPr lang="en-US" dirty="0"/>
+              <a:t>Try this:</a:t>
+            </a:r>
+          </a:p>
+          <a:p>
+            <a:pPr marL="0" indent="0">
+              <a:buNone/>
+            </a:pPr>
+            <a:r>
+              <a:rPr lang="en-US" dirty="0">
+                <a:latin typeface="Consolas" panose="020B0609020204030204" pitchFamily="49" charset="0"/>
+                <a:cs typeface="Consolas" panose="020B0609020204030204" pitchFamily="49" charset="0"/>
+              </a:rPr>
+              <a:t>&gt;&gt;&gt; </a:t>
+            </a:r>
+            <a:r>
+              <a:rPr lang="en-US" dirty="0"/>
+              <a:t>v = set([1,2,3,4,4])</a:t>
+            </a:r>
+          </a:p>
+          <a:p>
+            <a:pPr marL="0" indent="0">
+              <a:buNone/>
+            </a:pPr>
+            <a:r>
+              <a:rPr lang="en-US" dirty="0">
+                <a:latin typeface="Consolas" panose="020B0609020204030204" pitchFamily="49" charset="0"/>
+                <a:cs typeface="Consolas" panose="020B0609020204030204" pitchFamily="49" charset="0"/>
+              </a:rPr>
+              <a:t>Or </a:t>
+            </a:r>
+          </a:p>
+          <a:p>
+            <a:pPr marL="0" indent="0">
+              <a:buNone/>
+            </a:pPr>
+            <a:r>
+              <a:rPr lang="en-US" dirty="0">
+                <a:latin typeface="Consolas" panose="020B0609020204030204" pitchFamily="49" charset="0"/>
+                <a:cs typeface="Consolas" panose="020B0609020204030204" pitchFamily="49" charset="0"/>
+              </a:rPr>
+              <a:t>&gt;&gt;&gt; </a:t>
+            </a:r>
+            <a:r>
+              <a:rPr lang="en-US" dirty="0"/>
+              <a:t>v = {1,2,3,4,4}</a:t>
+            </a:r>
+          </a:p>
+          <a:p>
+            <a:pPr marL="0" indent="0">
+              <a:buNone/>
+            </a:pPr>
+            <a:endParaRPr lang="en-US" dirty="0"/>
+          </a:p>
+          <a:p>
+            <a:pPr marL="0" indent="0">
+              <a:buNone/>
+            </a:pPr>
+            <a:r>
+              <a:rPr lang="en-US" dirty="0"/>
+              <a:t>&gt;&gt;&gt; v</a:t>
+            </a:r>
+          </a:p>
+          <a:p>
+            <a:pPr marL="0" indent="0">
+              <a:buNone/>
+            </a:pPr>
+            <a:r>
+              <a:rPr lang="en-US" dirty="0"/>
+              <a:t>{1, 2, 3, 4}</a:t>
+            </a:r>
+          </a:p>
+          <a:p>
+            <a:pPr marL="0" indent="0">
+              <a:buNone/>
+            </a:pPr>
+            <a:r>
+              <a:rPr lang="en-US" dirty="0"/>
+              <a:t>Why does this happen? Let’s talk about another similar data type</a:t>
+            </a:r>
+          </a:p>
+        </p:txBody>
+      </p:sp>
+    </p:spTree>
+    <p:extLst>
+      <p:ext uri="{BB962C8B-B14F-4D97-AF65-F5344CB8AC3E}">
+        <p14:creationId xmlns:p14="http://schemas.microsoft.com/office/powerpoint/2010/main" val="2082373380"/>
+      </p:ext>
+    </p:extLst>
+  </p:cSld>
+  <p:clrMapOvr>
+    <a:masterClrMapping/>
+  </p:clrMapOvr>
+</p:sld>
+</file>
+
+<file path=ppt/slides/slide16.xml><?xml version="1.0" encoding="utf-8"?>
+<p:sld xmlns:a="http://schemas.openxmlformats.org/drawingml/2006/main" xmlns:r="http://schemas.openxmlformats.org/officeDocument/2006/relationships" xmlns:p="http://schemas.openxmlformats.org/presentationml/2006/main">
+  <p:cSld>
+    <p:spTree>
+      <p:nvGrpSpPr>
+        <p:cNvPr id="1" name=""/>
+        <p:cNvGrpSpPr/>
+        <p:nvPr/>
+      </p:nvGrpSpPr>
+      <p:grpSpPr>
+        <a:xfrm>
+          <a:off x="0" y="0"/>
+          <a:ext cx="0" cy="0"/>
+          <a:chOff x="0" y="0"/>
+          <a:chExt cx="0" cy="0"/>
+        </a:xfrm>
+      </p:grpSpPr>
+      <p:sp>
+        <p:nvSpPr>
+          <p:cNvPr id="2" name="Title 1">
+            <a:extLst>
+              <a:ext uri="{FF2B5EF4-FFF2-40B4-BE49-F238E27FC236}">
+                <a16:creationId xmlns:a16="http://schemas.microsoft.com/office/drawing/2014/main" id="{445A36B9-20E4-B746-A77D-B899DE3FF346}"/>
+              </a:ext>
+            </a:extLst>
+          </p:cNvPr>
+          <p:cNvSpPr>
+            <a:spLocks noGrp="1"/>
+          </p:cNvSpPr>
+          <p:nvPr>
+            <p:ph type="title"/>
+          </p:nvPr>
+        </p:nvSpPr>
+        <p:spPr/>
+        <p:txBody>
+          <a:bodyPr/>
+          <a:lstStyle/>
+          <a:p>
+            <a:r>
+              <a:rPr lang="en-US" dirty="0"/>
+              <a:t>Dictionaries (or hashes)</a:t>
+            </a:r>
+          </a:p>
+        </p:txBody>
+      </p:sp>
+      <p:sp>
+        <p:nvSpPr>
+          <p:cNvPr id="3" name="Content Placeholder 2">
+            <a:extLst>
+              <a:ext uri="{FF2B5EF4-FFF2-40B4-BE49-F238E27FC236}">
+                <a16:creationId xmlns:a16="http://schemas.microsoft.com/office/drawing/2014/main" id="{0BBCEDF6-5DBB-184B-868B-79F0C928EF0A}"/>
+              </a:ext>
+            </a:extLst>
+          </p:cNvPr>
+          <p:cNvSpPr>
+            <a:spLocks noGrp="1"/>
+          </p:cNvSpPr>
+          <p:nvPr>
+            <p:ph idx="1"/>
+          </p:nvPr>
+        </p:nvSpPr>
+        <p:spPr/>
+        <p:txBody>
+          <a:bodyPr>
+            <a:normAutofit fontScale="92500" lnSpcReduction="20000"/>
+          </a:bodyPr>
+          <a:lstStyle/>
+          <a:p>
+            <a:pPr marL="0" indent="0">
+              <a:buNone/>
+            </a:pPr>
+            <a:r>
+              <a:rPr lang="en-US" sz="2600" dirty="0">
+                <a:latin typeface="Consolas" panose="020B0609020204030204" pitchFamily="49" charset="0"/>
+                <a:cs typeface="Consolas" panose="020B0609020204030204" pitchFamily="49" charset="0"/>
+              </a:rPr>
+              <a:t>&gt;&gt;&gt; d = {}</a:t>
+            </a:r>
+          </a:p>
+          <a:p>
+            <a:pPr marL="0" indent="0">
+              <a:buNone/>
+            </a:pPr>
+            <a:r>
+              <a:rPr lang="en-US" sz="2600" dirty="0">
+                <a:latin typeface="Consolas" panose="020B0609020204030204" pitchFamily="49" charset="0"/>
+                <a:cs typeface="Consolas" panose="020B0609020204030204" pitchFamily="49" charset="0"/>
+              </a:rPr>
+              <a:t>&gt;&gt;&gt; d[“a”] = “Hello”</a:t>
+            </a:r>
+          </a:p>
+          <a:p>
+            <a:pPr marL="0" indent="0">
+              <a:buNone/>
+            </a:pPr>
+            <a:r>
+              <a:rPr lang="en-US" sz="2600" dirty="0">
+                <a:latin typeface="Consolas" panose="020B0609020204030204" pitchFamily="49" charset="0"/>
+                <a:cs typeface="Consolas" panose="020B0609020204030204" pitchFamily="49" charset="0"/>
+              </a:rPr>
+              <a:t>&gt;&gt;&gt; d[“b”] = “world!”</a:t>
+            </a:r>
+          </a:p>
+          <a:p>
+            <a:pPr marL="0" indent="0">
+              <a:buNone/>
+            </a:pPr>
+            <a:r>
+              <a:rPr lang="en-US" sz="2600" dirty="0">
+                <a:latin typeface="Consolas" panose="020B0609020204030204" pitchFamily="49" charset="0"/>
+                <a:cs typeface="Consolas" panose="020B0609020204030204" pitchFamily="49" charset="0"/>
+              </a:rPr>
+              <a:t>&gt;&gt;&gt; d</a:t>
+            </a:r>
+          </a:p>
+          <a:p>
+            <a:pPr marL="0" indent="0">
+              <a:buNone/>
+            </a:pPr>
+            <a:r>
+              <a:rPr lang="en-US" sz="2600" dirty="0">
+                <a:latin typeface="Consolas" panose="020B0609020204030204" pitchFamily="49" charset="0"/>
+                <a:cs typeface="Consolas" panose="020B0609020204030204" pitchFamily="49" charset="0"/>
+              </a:rPr>
+              <a:t>{'a': 'Hello', 'b': 'world'}</a:t>
+            </a:r>
+          </a:p>
+          <a:p>
+            <a:pPr marL="0" indent="0">
+              <a:buNone/>
+            </a:pPr>
+            <a:endParaRPr lang="en-US" sz="2600" dirty="0">
+              <a:latin typeface="Consolas" panose="020B0609020204030204" pitchFamily="49" charset="0"/>
+              <a:cs typeface="Consolas" panose="020B0609020204030204" pitchFamily="49" charset="0"/>
+            </a:endParaRPr>
+          </a:p>
+          <a:p>
+            <a:pPr marL="0" indent="0">
+              <a:buNone/>
+            </a:pPr>
+            <a:r>
+              <a:rPr lang="en-US" sz="2600" dirty="0">
+                <a:latin typeface="Consolas" panose="020B0609020204030204" pitchFamily="49" charset="0"/>
+                <a:cs typeface="Consolas" panose="020B0609020204030204" pitchFamily="49" charset="0"/>
+              </a:rPr>
+              <a:t>&gt;&gt;&gt; d[“a”] </a:t>
+            </a:r>
+          </a:p>
+          <a:p>
+            <a:pPr marL="0" indent="0">
+              <a:buNone/>
+            </a:pPr>
+            <a:r>
+              <a:rPr lang="en-US" sz="2600" dirty="0">
+                <a:latin typeface="Consolas" panose="020B0609020204030204" pitchFamily="49" charset="0"/>
+                <a:cs typeface="Consolas" panose="020B0609020204030204" pitchFamily="49" charset="0"/>
+              </a:rPr>
+              <a:t>‘Hello’</a:t>
+            </a:r>
+          </a:p>
+          <a:p>
+            <a:pPr marL="0" indent="0">
+              <a:buNone/>
+            </a:pPr>
+            <a:r>
+              <a:rPr lang="en-US" sz="2600" dirty="0">
+                <a:latin typeface="Consolas" panose="020B0609020204030204" pitchFamily="49" charset="0"/>
+                <a:cs typeface="Consolas" panose="020B0609020204030204" pitchFamily="49" charset="0"/>
+              </a:rPr>
+              <a:t>&gt;&gt;&gt; d[“a”] = “Goodbye”</a:t>
+            </a:r>
+          </a:p>
+          <a:p>
+            <a:pPr marL="0" indent="0">
+              <a:buNone/>
+            </a:pPr>
+            <a:r>
+              <a:rPr lang="en-US" sz="2600" dirty="0">
+                <a:latin typeface="Consolas" panose="020B0609020204030204" pitchFamily="49" charset="0"/>
+                <a:cs typeface="Consolas" panose="020B0609020204030204" pitchFamily="49" charset="0"/>
+              </a:rPr>
+              <a:t>&gt;&gt;&gt; d</a:t>
+            </a:r>
+          </a:p>
+          <a:p>
+            <a:pPr marL="0" indent="0">
+              <a:buNone/>
+            </a:pPr>
+            <a:r>
+              <a:rPr lang="en-US" sz="2600" dirty="0">
+                <a:latin typeface="Consolas" panose="020B0609020204030204" pitchFamily="49" charset="0"/>
+                <a:cs typeface="Consolas" panose="020B0609020204030204" pitchFamily="49" charset="0"/>
+              </a:rPr>
+              <a:t>{'a': Goodbye ', 'b': 'world'}</a:t>
+            </a:r>
+          </a:p>
+          <a:p>
+            <a:pPr marL="0" indent="0">
+              <a:buNone/>
+            </a:pPr>
+            <a:endParaRPr lang="en-US" dirty="0">
+              <a:latin typeface="Consolas" panose="020B0609020204030204" pitchFamily="49" charset="0"/>
+              <a:cs typeface="Consolas" panose="020B0609020204030204" pitchFamily="49" charset="0"/>
+            </a:endParaRPr>
+          </a:p>
+          <a:p>
+            <a:pPr marL="0" indent="0">
+              <a:buNone/>
+            </a:pPr>
+            <a:endParaRPr lang="en-US" dirty="0">
+              <a:latin typeface="Consolas" panose="020B0609020204030204" pitchFamily="49" charset="0"/>
+              <a:cs typeface="Consolas" panose="020B0609020204030204" pitchFamily="49" charset="0"/>
+            </a:endParaRPr>
+          </a:p>
+          <a:p>
+            <a:pPr>
+              <a:buFont typeface="Wingdings" pitchFamily="2" charset="2"/>
+              <a:buChar char="Ø"/>
+            </a:pPr>
+            <a:endParaRPr lang="en-US" dirty="0"/>
+          </a:p>
+        </p:txBody>
+      </p:sp>
+    </p:spTree>
+    <p:extLst>
+      <p:ext uri="{BB962C8B-B14F-4D97-AF65-F5344CB8AC3E}">
+        <p14:creationId xmlns:p14="http://schemas.microsoft.com/office/powerpoint/2010/main" val="2044897125"/>
+      </p:ext>
+    </p:extLst>
+  </p:cSld>
+  <p:clrMapOvr>
+    <a:masterClrMapping/>
+  </p:clrMapOvr>
+</p:sld>
+</file>
+
+<file path=ppt/slides/slide17.xml><?xml version="1.0" encoding="utf-8"?>
+<p:sld xmlns:a="http://schemas.openxmlformats.org/drawingml/2006/main" xmlns:r="http://schemas.openxmlformats.org/officeDocument/2006/relationships" xmlns:p="http://schemas.openxmlformats.org/presentationml/2006/main">
+  <p:cSld>
+    <p:spTree>
+      <p:nvGrpSpPr>
+        <p:cNvPr id="1" name=""/>
+        <p:cNvGrpSpPr/>
+        <p:nvPr/>
+      </p:nvGrpSpPr>
+      <p:grpSpPr>
+        <a:xfrm>
+          <a:off x="0" y="0"/>
+          <a:ext cx="0" cy="0"/>
+          <a:chOff x="0" y="0"/>
+          <a:chExt cx="0" cy="0"/>
+        </a:xfrm>
+      </p:grpSpPr>
+      <p:sp>
+        <p:nvSpPr>
+          <p:cNvPr id="2" name="Title 1">
+            <a:extLst>
+              <a:ext uri="{FF2B5EF4-FFF2-40B4-BE49-F238E27FC236}">
+                <a16:creationId xmlns:a16="http://schemas.microsoft.com/office/drawing/2014/main" id="{E172C3CE-237A-A94C-8658-294DA745557D}"/>
+              </a:ext>
+            </a:extLst>
+          </p:cNvPr>
+          <p:cNvSpPr>
+            <a:spLocks noGrp="1"/>
+          </p:cNvSpPr>
+          <p:nvPr>
+            <p:ph type="title"/>
+          </p:nvPr>
+        </p:nvSpPr>
+        <p:spPr/>
+        <p:txBody>
+          <a:bodyPr/>
+          <a:lstStyle/>
+          <a:p>
+            <a:r>
+              <a:rPr lang="en-US" dirty="0"/>
+              <a:t>How to dictionaries, hashes, and sets work?</a:t>
+            </a:r>
+          </a:p>
+        </p:txBody>
+      </p:sp>
+      <p:sp>
+        <p:nvSpPr>
+          <p:cNvPr id="3" name="Content Placeholder 2">
+            <a:extLst>
+              <a:ext uri="{FF2B5EF4-FFF2-40B4-BE49-F238E27FC236}">
+                <a16:creationId xmlns:a16="http://schemas.microsoft.com/office/drawing/2014/main" id="{E65D6ED8-7F0F-4E4E-813E-7294EFE88F6A}"/>
+              </a:ext>
+            </a:extLst>
+          </p:cNvPr>
+          <p:cNvSpPr>
+            <a:spLocks noGrp="1"/>
+          </p:cNvSpPr>
+          <p:nvPr>
+            <p:ph idx="1"/>
+          </p:nvPr>
+        </p:nvSpPr>
+        <p:spPr>
+          <a:xfrm>
+            <a:off x="838200" y="1825625"/>
+            <a:ext cx="6035566" cy="4351338"/>
+          </a:xfrm>
+        </p:spPr>
+        <p:txBody>
+          <a:bodyPr>
+            <a:normAutofit fontScale="92500" lnSpcReduction="10000"/>
+          </a:bodyPr>
+          <a:lstStyle/>
+          <a:p>
+            <a:r>
+              <a:rPr lang="en-US" dirty="0"/>
+              <a:t>One value associated with a given key</a:t>
+            </a:r>
+          </a:p>
+          <a:p>
+            <a:r>
+              <a:rPr lang="en-US" dirty="0"/>
+              <a:t>Unordered (unlike a list/array)</a:t>
+            </a:r>
+          </a:p>
+          <a:p>
+            <a:r>
+              <a:rPr lang="en-US" dirty="0"/>
+              <a:t>Two identical values go to same place in memory, so only returns one iteration</a:t>
+            </a:r>
+          </a:p>
+          <a:p>
+            <a:endParaRPr lang="en-US" dirty="0"/>
+          </a:p>
+          <a:p>
+            <a:r>
+              <a:rPr lang="en-US" dirty="0"/>
+              <a:t>What does a hash do?</a:t>
+            </a:r>
+          </a:p>
+          <a:p>
+            <a:pPr lvl="1"/>
+            <a:r>
+              <a:rPr lang="en-US" dirty="0"/>
+              <a:t>A function that converts a given input to another (such as a position in memory)</a:t>
+            </a:r>
+          </a:p>
+          <a:p>
+            <a:pPr lvl="1"/>
+            <a:r>
+              <a:rPr lang="en-US" dirty="0"/>
+              <a:t>The hash function is constant, the same input will always give the same output</a:t>
+            </a:r>
+          </a:p>
+          <a:p>
+            <a:pPr lvl="1"/>
+            <a:r>
+              <a:rPr lang="en-US" dirty="0"/>
+              <a:t>Able to map a value of variable size to a fixed-size output</a:t>
+            </a:r>
+          </a:p>
+          <a:p>
+            <a:endParaRPr lang="en-US" dirty="0"/>
+          </a:p>
+        </p:txBody>
+      </p:sp>
+      <p:pic>
+        <p:nvPicPr>
+          <p:cNvPr id="4" name="Picture 3">
+            <a:extLst>
+              <a:ext uri="{FF2B5EF4-FFF2-40B4-BE49-F238E27FC236}">
+                <a16:creationId xmlns:a16="http://schemas.microsoft.com/office/drawing/2014/main" id="{E1246F03-4BD7-9040-BDC8-E00D0E194379}"/>
+              </a:ext>
+            </a:extLst>
+          </p:cNvPr>
+          <p:cNvPicPr>
+            <a:picLocks noChangeAspect="1"/>
+          </p:cNvPicPr>
+          <p:nvPr/>
+        </p:nvPicPr>
+        <p:blipFill>
+          <a:blip r:embed="rId2"/>
+          <a:stretch>
+            <a:fillRect/>
+          </a:stretch>
+        </p:blipFill>
+        <p:spPr>
+          <a:xfrm>
+            <a:off x="7630510" y="1825625"/>
+            <a:ext cx="4067503" cy="3118419"/>
+          </a:xfrm>
+          <a:prstGeom prst="rect">
+            <a:avLst/>
+          </a:prstGeom>
+        </p:spPr>
+      </p:pic>
+      <p:sp>
+        <p:nvSpPr>
+          <p:cNvPr id="5" name="Rectangle 4">
+            <a:extLst>
+              <a:ext uri="{FF2B5EF4-FFF2-40B4-BE49-F238E27FC236}">
+                <a16:creationId xmlns:a16="http://schemas.microsoft.com/office/drawing/2014/main" id="{D95423BF-2D81-7443-9957-F6BB92874033}"/>
+              </a:ext>
+            </a:extLst>
+          </p:cNvPr>
+          <p:cNvSpPr/>
+          <p:nvPr/>
+        </p:nvSpPr>
+        <p:spPr>
+          <a:xfrm>
+            <a:off x="7807979" y="6308209"/>
+            <a:ext cx="4384021" cy="369332"/>
+          </a:xfrm>
+          <a:prstGeom prst="rect">
+            <a:avLst/>
+          </a:prstGeom>
+        </p:spPr>
+        <p:txBody>
+          <a:bodyPr wrap="none">
+            <a:spAutoFit/>
+          </a:bodyPr>
+          <a:lstStyle/>
+          <a:p>
+            <a:r>
+              <a:rPr lang="en-US" dirty="0">
+                <a:hlinkClick r:id="rId3"/>
+              </a:rPr>
+              <a:t>https://en.wikipedia.org/wiki/Hash_function</a:t>
+            </a:r>
+            <a:endParaRPr lang="en-US" dirty="0"/>
+          </a:p>
+        </p:txBody>
+      </p:sp>
+    </p:spTree>
+    <p:extLst>
+      <p:ext uri="{BB962C8B-B14F-4D97-AF65-F5344CB8AC3E}">
+        <p14:creationId xmlns:p14="http://schemas.microsoft.com/office/powerpoint/2010/main" val="2787459828"/>
+      </p:ext>
+    </p:extLst>
+  </p:cSld>
+  <p:clrMapOvr>
+    <a:masterClrMapping/>
+  </p:clrMapOvr>
+</p:sld>
+</file>
+
+<file path=ppt/slides/slide18.xml><?xml version="1.0" encoding="utf-8"?>
+<p:sld xmlns:a="http://schemas.openxmlformats.org/drawingml/2006/main" xmlns:r="http://schemas.openxmlformats.org/officeDocument/2006/relationships" xmlns:p="http://schemas.openxmlformats.org/presentationml/2006/main">
+  <p:cSld>
+    <p:spTree>
+      <p:nvGrpSpPr>
+        <p:cNvPr id="1" name=""/>
+        <p:cNvGrpSpPr/>
+        <p:nvPr/>
+      </p:nvGrpSpPr>
+      <p:grpSpPr>
+        <a:xfrm>
+          <a:off x="0" y="0"/>
+          <a:ext cx="0" cy="0"/>
+          <a:chOff x="0" y="0"/>
+          <a:chExt cx="0" cy="0"/>
+        </a:xfrm>
+      </p:grpSpPr>
+      <p:sp>
+        <p:nvSpPr>
+          <p:cNvPr id="2" name="Title 1">
+            <a:extLst>
+              <a:ext uri="{FF2B5EF4-FFF2-40B4-BE49-F238E27FC236}">
+                <a16:creationId xmlns:a16="http://schemas.microsoft.com/office/drawing/2014/main" id="{205CF58D-9044-EB43-A33D-F45F18AB4DB4}"/>
+              </a:ext>
+            </a:extLst>
+          </p:cNvPr>
+          <p:cNvSpPr>
+            <a:spLocks noGrp="1"/>
+          </p:cNvSpPr>
+          <p:nvPr>
+            <p:ph type="title"/>
+          </p:nvPr>
+        </p:nvSpPr>
+        <p:spPr/>
+        <p:txBody>
+          <a:bodyPr/>
+          <a:lstStyle/>
+          <a:p>
+            <a:r>
+              <a:rPr lang="en-US" dirty="0"/>
+              <a:t>Array vs dictionary performance</a:t>
+            </a:r>
+          </a:p>
+        </p:txBody>
+      </p:sp>
+      <p:sp>
+        <p:nvSpPr>
+          <p:cNvPr id="3" name="Content Placeholder 2">
+            <a:extLst>
+              <a:ext uri="{FF2B5EF4-FFF2-40B4-BE49-F238E27FC236}">
+                <a16:creationId xmlns:a16="http://schemas.microsoft.com/office/drawing/2014/main" id="{1C373535-5F11-BC43-80CA-3E48B78E2DFE}"/>
+              </a:ext>
+            </a:extLst>
+          </p:cNvPr>
+          <p:cNvSpPr>
+            <a:spLocks noGrp="1"/>
+          </p:cNvSpPr>
+          <p:nvPr>
+            <p:ph idx="1"/>
+          </p:nvPr>
+        </p:nvSpPr>
+        <p:spPr/>
+        <p:txBody>
+          <a:bodyPr>
+            <a:normAutofit fontScale="92500" lnSpcReduction="10000"/>
+          </a:bodyPr>
+          <a:lstStyle/>
+          <a:p>
+            <a:r>
+              <a:rPr lang="en-US" dirty="0"/>
+              <a:t>As arrays are ordered, they are searched in order</a:t>
+            </a:r>
+          </a:p>
+          <a:p>
+            <a:pPr lvl="1"/>
+            <a:r>
+              <a:rPr lang="en-US" dirty="0"/>
+              <a:t>n steps</a:t>
+            </a:r>
+          </a:p>
+          <a:p>
+            <a:r>
+              <a:rPr lang="en-US" dirty="0"/>
+              <a:t>A dictionary finds if a value is set because it translates the string to a hash position to see if its set</a:t>
+            </a:r>
+          </a:p>
+          <a:p>
+            <a:pPr lvl="1"/>
+            <a:r>
+              <a:rPr lang="en-US" dirty="0"/>
+              <a:t>One step</a:t>
+            </a:r>
+          </a:p>
+          <a:p>
+            <a:pPr marL="0" indent="0">
+              <a:buNone/>
+            </a:pPr>
+            <a:endParaRPr lang="en-US" dirty="0"/>
+          </a:p>
+          <a:p>
+            <a:r>
+              <a:rPr lang="en-US" dirty="0"/>
+              <a:t>Dictionary keys are converted to a hash which corresponds to a given spot in the computer memory</a:t>
+            </a:r>
+          </a:p>
+          <a:p>
+            <a:r>
+              <a:rPr lang="en-US" dirty="0"/>
+              <a:t>To search for the value associated with a key, it only has to re-hash the key value you give it, go straight to that position in memory to check for a value, and return the value if it exists</a:t>
+            </a:r>
+          </a:p>
+          <a:p>
+            <a:endParaRPr lang="en-US" dirty="0"/>
+          </a:p>
+        </p:txBody>
+      </p:sp>
+    </p:spTree>
+    <p:extLst>
+      <p:ext uri="{BB962C8B-B14F-4D97-AF65-F5344CB8AC3E}">
+        <p14:creationId xmlns:p14="http://schemas.microsoft.com/office/powerpoint/2010/main" val="435346091"/>
+      </p:ext>
+    </p:extLst>
+  </p:cSld>
+  <p:clrMapOvr>
+    <a:masterClrMapping/>
+  </p:clrMapOvr>
+</p:sld>
+</file>
+
+<file path=ppt/slides/slide19.xml><?xml version="1.0" encoding="utf-8"?>
+<p:sld xmlns:a="http://schemas.openxmlformats.org/drawingml/2006/main" xmlns:r="http://schemas.openxmlformats.org/officeDocument/2006/relationships" xmlns:p="http://schemas.openxmlformats.org/presentationml/2006/main">
+  <p:cSld>
+    <p:spTree>
+      <p:nvGrpSpPr>
+        <p:cNvPr id="1" name=""/>
+        <p:cNvGrpSpPr/>
+        <p:nvPr/>
+      </p:nvGrpSpPr>
+      <p:grpSpPr>
+        <a:xfrm>
+          <a:off x="0" y="0"/>
+          <a:ext cx="0" cy="0"/>
+          <a:chOff x="0" y="0"/>
+          <a:chExt cx="0" cy="0"/>
+        </a:xfrm>
+      </p:grpSpPr>
+      <p:sp>
+        <p:nvSpPr>
+          <p:cNvPr id="2" name="Title 1">
+            <a:extLst>
+              <a:ext uri="{FF2B5EF4-FFF2-40B4-BE49-F238E27FC236}">
+                <a16:creationId xmlns:a16="http://schemas.microsoft.com/office/drawing/2014/main" id="{951B7608-7A14-074F-9421-EC1F1A4DD6B0}"/>
+              </a:ext>
+            </a:extLst>
+          </p:cNvPr>
+          <p:cNvSpPr>
+            <a:spLocks noGrp="1"/>
+          </p:cNvSpPr>
+          <p:nvPr>
+            <p:ph type="title"/>
+          </p:nvPr>
+        </p:nvSpPr>
+        <p:spPr/>
+        <p:txBody>
+          <a:bodyPr/>
+          <a:lstStyle/>
+          <a:p>
+            <a:r>
+              <a:rPr lang="en-US" dirty="0"/>
+              <a:t>Array vs dictionary performance</a:t>
+            </a:r>
+          </a:p>
+        </p:txBody>
+      </p:sp>
+      <p:sp>
+        <p:nvSpPr>
+          <p:cNvPr id="3" name="Content Placeholder 2">
+            <a:extLst>
+              <a:ext uri="{FF2B5EF4-FFF2-40B4-BE49-F238E27FC236}">
+                <a16:creationId xmlns:a16="http://schemas.microsoft.com/office/drawing/2014/main" id="{BA38CC6B-D016-0747-8F32-A96400AACF7F}"/>
+              </a:ext>
+            </a:extLst>
+          </p:cNvPr>
+          <p:cNvSpPr>
+            <a:spLocks noGrp="1"/>
+          </p:cNvSpPr>
+          <p:nvPr>
+            <p:ph idx="1"/>
+          </p:nvPr>
+        </p:nvSpPr>
+        <p:spPr/>
+        <p:txBody>
+          <a:bodyPr/>
+          <a:lstStyle/>
+          <a:p>
+            <a:r>
+              <a:rPr lang="en-US" dirty="0"/>
+              <a:t>For example, you want to find Sal’s office, but don’t know the office number, so you have to search office by office until you find Sal’s office -&gt; array/list</a:t>
+            </a:r>
+          </a:p>
+          <a:p>
+            <a:r>
+              <a:rPr lang="en-US" dirty="0"/>
+              <a:t>Or, you know Sal’s office number already, so you go straight there -&gt; dictionary/hash</a:t>
+            </a:r>
+          </a:p>
+          <a:p>
+            <a:endParaRPr lang="en-US" dirty="0"/>
+          </a:p>
+        </p:txBody>
+      </p:sp>
+      <p:pic>
+        <p:nvPicPr>
+          <p:cNvPr id="4" name="Picture 3">
+            <a:extLst>
+              <a:ext uri="{FF2B5EF4-FFF2-40B4-BE49-F238E27FC236}">
+                <a16:creationId xmlns:a16="http://schemas.microsoft.com/office/drawing/2014/main" id="{D0BE8256-D8C6-D843-8185-635756C4914C}"/>
+              </a:ext>
+            </a:extLst>
+          </p:cNvPr>
+          <p:cNvPicPr>
+            <a:picLocks noChangeAspect="1"/>
+          </p:cNvPicPr>
+          <p:nvPr/>
+        </p:nvPicPr>
+        <p:blipFill>
+          <a:blip r:embed="rId2"/>
+          <a:stretch>
+            <a:fillRect/>
+          </a:stretch>
+        </p:blipFill>
+        <p:spPr>
+          <a:xfrm>
+            <a:off x="6549364" y="3954627"/>
+            <a:ext cx="3811183" cy="2538248"/>
+          </a:xfrm>
+          <a:prstGeom prst="rect">
+            <a:avLst/>
+          </a:prstGeom>
+        </p:spPr>
+      </p:pic>
+      <p:sp>
+        <p:nvSpPr>
+          <p:cNvPr id="5" name="Rectangle 4">
+            <a:extLst>
+              <a:ext uri="{FF2B5EF4-FFF2-40B4-BE49-F238E27FC236}">
+                <a16:creationId xmlns:a16="http://schemas.microsoft.com/office/drawing/2014/main" id="{142C8F21-C5FA-2545-A2BA-4A28D6FD8913}"/>
+              </a:ext>
+            </a:extLst>
+          </p:cNvPr>
+          <p:cNvSpPr/>
+          <p:nvPr/>
+        </p:nvSpPr>
+        <p:spPr>
+          <a:xfrm>
+            <a:off x="5129048" y="6614291"/>
+            <a:ext cx="12063223" cy="261610"/>
+          </a:xfrm>
+          <a:prstGeom prst="rect">
+            <a:avLst/>
+          </a:prstGeom>
+        </p:spPr>
+        <p:txBody>
+          <a:bodyPr wrap="square">
+            <a:spAutoFit/>
+          </a:bodyPr>
+          <a:lstStyle/>
+          <a:p>
+            <a:r>
+              <a:rPr lang="en-US" sz="1100" dirty="0">
+                <a:hlinkClick r:id="rId3"/>
+              </a:rPr>
+              <a:t>https://unsplash.com/photos/NIrgENd0sAY?utm_source=unsplash&amp;utm_medium=referral&amp;utm_content=creditCopyText</a:t>
+            </a:r>
+            <a:endParaRPr lang="en-US" sz="1100" dirty="0"/>
+          </a:p>
+        </p:txBody>
+      </p:sp>
+    </p:spTree>
+    <p:extLst>
+      <p:ext uri="{BB962C8B-B14F-4D97-AF65-F5344CB8AC3E}">
+        <p14:creationId xmlns:p14="http://schemas.microsoft.com/office/powerpoint/2010/main" val="721728751"/>
+      </p:ext>
+    </p:extLst>
+  </p:cSld>
+  <p:clrMapOvr>
+    <a:masterClrMapping/>
+  </p:clrMapOvr>
+</p:sld>
+</file>
+
+<file path=ppt/slides/slide2.xml><?xml version="1.0" encoding="utf-8"?>
+<p:sld xmlns:a="http://schemas.openxmlformats.org/drawingml/2006/main" xmlns:r="http://schemas.openxmlformats.org/officeDocument/2006/relationships" xmlns:p="http://schemas.openxmlformats.org/presentationml/2006/main">
+  <p:cSld>
+    <p:spTree>
+      <p:nvGrpSpPr>
+        <p:cNvPr id="1" name=""/>
+        <p:cNvGrpSpPr/>
+        <p:nvPr/>
+      </p:nvGrpSpPr>
+      <p:grpSpPr>
+        <a:xfrm>
+          <a:off x="0" y="0"/>
+          <a:ext cx="0" cy="0"/>
+          <a:chOff x="0" y="0"/>
+          <a:chExt cx="0" cy="0"/>
+        </a:xfrm>
+      </p:grpSpPr>
+      <p:sp>
+        <p:nvSpPr>
+          <p:cNvPr id="2" name="Title 1">
+            <a:extLst>
+              <a:ext uri="{FF2B5EF4-FFF2-40B4-BE49-F238E27FC236}">
+                <a16:creationId xmlns:a16="http://schemas.microsoft.com/office/drawing/2014/main" id="{D84FD462-78F6-1744-88DC-90F986F10A2F}"/>
+              </a:ext>
+            </a:extLst>
+          </p:cNvPr>
+          <p:cNvSpPr>
+            <a:spLocks noGrp="1"/>
+          </p:cNvSpPr>
+          <p:nvPr>
+            <p:ph type="ctrTitle"/>
+          </p:nvPr>
+        </p:nvSpPr>
+        <p:spPr/>
+        <p:txBody>
+          <a:bodyPr/>
+          <a:lstStyle/>
+          <a:p>
+            <a:r>
+              <a:rPr lang="en-US" dirty="0"/>
+              <a:t>#3.1</a:t>
+            </a:r>
+          </a:p>
+        </p:txBody>
+      </p:sp>
+      <p:sp>
+        <p:nvSpPr>
+          <p:cNvPr id="3" name="Subtitle 2">
+            <a:extLst>
+              <a:ext uri="{FF2B5EF4-FFF2-40B4-BE49-F238E27FC236}">
+                <a16:creationId xmlns:a16="http://schemas.microsoft.com/office/drawing/2014/main" id="{C5B9582C-40E6-9F40-82E3-C38CD19A441E}"/>
+              </a:ext>
+            </a:extLst>
+          </p:cNvPr>
+          <p:cNvSpPr>
+            <a:spLocks noGrp="1"/>
+          </p:cNvSpPr>
+          <p:nvPr>
+            <p:ph type="subTitle" idx="1"/>
+          </p:nvPr>
+        </p:nvSpPr>
+        <p:spPr/>
+        <p:txBody>
+          <a:bodyPr>
+            <a:normAutofit fontScale="77500" lnSpcReduction="20000"/>
+          </a:bodyPr>
+          <a:lstStyle/>
+          <a:p>
+            <a:r>
+              <a:rPr lang="en-US" dirty="0"/>
+              <a:t>Transferring files between CHPC and personal computer</a:t>
+            </a:r>
+          </a:p>
+          <a:p>
+            <a:r>
+              <a:rPr lang="en-US" dirty="0"/>
+              <a:t>IGV</a:t>
+            </a:r>
+          </a:p>
+          <a:p>
             <a:r>
               <a:rPr lang="en-US" dirty="0"/>
               <a:t>Data types</a:t>
@@ -3821,15 +5801,14 @@
           <a:p>
             <a:r>
               <a:rPr lang="en-US" dirty="0"/>
+              <a:t>Functions</a:t>
+            </a:r>
+          </a:p>
+          <a:p>
+            <a:r>
+              <a:rPr lang="en-US" dirty="0"/>
               <a:t>Internal and External libraries</a:t>
             </a:r>
-          </a:p>
-          <a:p>
-            <a:r>
-              <a:rPr lang="en-US"/>
-              <a:t>functions</a:t>
-            </a:r>
-            <a:endParaRPr lang="en-US" dirty="0"/>
           </a:p>
         </p:txBody>
       </p:sp>
@@ -3837,6 +5816,2415 @@
     <p:extLst>
       <p:ext uri="{BB962C8B-B14F-4D97-AF65-F5344CB8AC3E}">
         <p14:creationId xmlns:p14="http://schemas.microsoft.com/office/powerpoint/2010/main" val="1185113121"/>
+      </p:ext>
+    </p:extLst>
+  </p:cSld>
+  <p:clrMapOvr>
+    <a:masterClrMapping/>
+  </p:clrMapOvr>
+</p:sld>
+</file>
+
+<file path=ppt/slides/slide20.xml><?xml version="1.0" encoding="utf-8"?>
+<p:sld xmlns:a="http://schemas.openxmlformats.org/drawingml/2006/main" xmlns:r="http://schemas.openxmlformats.org/officeDocument/2006/relationships" xmlns:p="http://schemas.openxmlformats.org/presentationml/2006/main">
+  <p:cSld>
+    <p:spTree>
+      <p:nvGrpSpPr>
+        <p:cNvPr id="1" name=""/>
+        <p:cNvGrpSpPr/>
+        <p:nvPr/>
+      </p:nvGrpSpPr>
+      <p:grpSpPr>
+        <a:xfrm>
+          <a:off x="0" y="0"/>
+          <a:ext cx="0" cy="0"/>
+          <a:chOff x="0" y="0"/>
+          <a:chExt cx="0" cy="0"/>
+        </a:xfrm>
+      </p:grpSpPr>
+      <p:sp>
+        <p:nvSpPr>
+          <p:cNvPr id="2" name="Title 1">
+            <a:extLst>
+              <a:ext uri="{FF2B5EF4-FFF2-40B4-BE49-F238E27FC236}">
+                <a16:creationId xmlns:a16="http://schemas.microsoft.com/office/drawing/2014/main" id="{910F55FF-0E21-C74D-AF6B-09A5BA579A4A}"/>
+              </a:ext>
+            </a:extLst>
+          </p:cNvPr>
+          <p:cNvSpPr>
+            <a:spLocks noGrp="1"/>
+          </p:cNvSpPr>
+          <p:nvPr>
+            <p:ph type="title"/>
+          </p:nvPr>
+        </p:nvSpPr>
+        <p:spPr/>
+        <p:txBody>
+          <a:bodyPr/>
+          <a:lstStyle/>
+          <a:p>
+            <a:r>
+              <a:rPr lang="en-US" dirty="0"/>
+              <a:t>Functions: A not-so-black box</a:t>
+            </a:r>
+          </a:p>
+        </p:txBody>
+      </p:sp>
+      <p:sp>
+        <p:nvSpPr>
+          <p:cNvPr id="4" name="Rectangle 3">
+            <a:extLst>
+              <a:ext uri="{FF2B5EF4-FFF2-40B4-BE49-F238E27FC236}">
+                <a16:creationId xmlns:a16="http://schemas.microsoft.com/office/drawing/2014/main" id="{360143A5-A259-3F42-A0EC-270A6E3555DA}"/>
+              </a:ext>
+            </a:extLst>
+          </p:cNvPr>
+          <p:cNvSpPr/>
+          <p:nvPr/>
+        </p:nvSpPr>
+        <p:spPr>
+          <a:xfrm>
+            <a:off x="4687614" y="1933903"/>
+            <a:ext cx="1965434" cy="620111"/>
+          </a:xfrm>
+          <a:prstGeom prst="rect">
+            <a:avLst/>
+          </a:prstGeom>
+          <a:solidFill>
+            <a:schemeClr val="tx1"/>
+          </a:solidFill>
+          <a:ln>
+            <a:solidFill>
+              <a:schemeClr val="tx1"/>
+            </a:solidFill>
+          </a:ln>
+        </p:spPr>
+        <p:style>
+          <a:lnRef idx="2">
+            <a:schemeClr val="accent1">
+              <a:shade val="50000"/>
+            </a:schemeClr>
+          </a:lnRef>
+          <a:fillRef idx="1">
+            <a:schemeClr val="accent1"/>
+          </a:fillRef>
+          <a:effectRef idx="0">
+            <a:schemeClr val="accent1"/>
+          </a:effectRef>
+          <a:fontRef idx="minor">
+            <a:schemeClr val="lt1"/>
+          </a:fontRef>
+        </p:style>
+        <p:txBody>
+          <a:bodyPr rtlCol="0" anchor="ctr"/>
+          <a:lstStyle/>
+          <a:p>
+            <a:pPr algn="ctr"/>
+            <a:endParaRPr lang="en-US"/>
+          </a:p>
+        </p:txBody>
+      </p:sp>
+      <p:sp>
+        <p:nvSpPr>
+          <p:cNvPr id="5" name="Rectangle 4">
+            <a:extLst>
+              <a:ext uri="{FF2B5EF4-FFF2-40B4-BE49-F238E27FC236}">
+                <a16:creationId xmlns:a16="http://schemas.microsoft.com/office/drawing/2014/main" id="{EB4FE1BB-FF10-6249-902C-E7E6612A3A14}"/>
+              </a:ext>
+            </a:extLst>
+          </p:cNvPr>
+          <p:cNvSpPr/>
+          <p:nvPr/>
+        </p:nvSpPr>
+        <p:spPr>
+          <a:xfrm>
+            <a:off x="4687614" y="3305503"/>
+            <a:ext cx="1965434" cy="620111"/>
+          </a:xfrm>
+          <a:prstGeom prst="rect">
+            <a:avLst/>
+          </a:prstGeom>
+          <a:solidFill>
+            <a:schemeClr val="tx1"/>
+          </a:solidFill>
+          <a:ln>
+            <a:solidFill>
+              <a:schemeClr val="tx1"/>
+            </a:solidFill>
+          </a:ln>
+        </p:spPr>
+        <p:style>
+          <a:lnRef idx="2">
+            <a:schemeClr val="accent1">
+              <a:shade val="50000"/>
+            </a:schemeClr>
+          </a:lnRef>
+          <a:fillRef idx="1">
+            <a:schemeClr val="accent1"/>
+          </a:fillRef>
+          <a:effectRef idx="0">
+            <a:schemeClr val="accent1"/>
+          </a:effectRef>
+          <a:fontRef idx="minor">
+            <a:schemeClr val="lt1"/>
+          </a:fontRef>
+        </p:style>
+        <p:txBody>
+          <a:bodyPr rtlCol="0" anchor="ctr"/>
+          <a:lstStyle/>
+          <a:p>
+            <a:pPr algn="ctr"/>
+            <a:endParaRPr lang="en-US"/>
+          </a:p>
+        </p:txBody>
+      </p:sp>
+      <p:sp>
+        <p:nvSpPr>
+          <p:cNvPr id="6" name="Rectangle 5">
+            <a:extLst>
+              <a:ext uri="{FF2B5EF4-FFF2-40B4-BE49-F238E27FC236}">
+                <a16:creationId xmlns:a16="http://schemas.microsoft.com/office/drawing/2014/main" id="{9F383B80-4450-F542-A278-C7DE7092BDD3}"/>
+              </a:ext>
+            </a:extLst>
+          </p:cNvPr>
+          <p:cNvSpPr/>
+          <p:nvPr/>
+        </p:nvSpPr>
+        <p:spPr>
+          <a:xfrm>
+            <a:off x="4687614" y="4677103"/>
+            <a:ext cx="1965434" cy="620111"/>
+          </a:xfrm>
+          <a:prstGeom prst="rect">
+            <a:avLst/>
+          </a:prstGeom>
+          <a:solidFill>
+            <a:schemeClr val="tx1"/>
+          </a:solidFill>
+          <a:ln>
+            <a:solidFill>
+              <a:schemeClr val="tx1"/>
+            </a:solidFill>
+          </a:ln>
+        </p:spPr>
+        <p:style>
+          <a:lnRef idx="2">
+            <a:schemeClr val="accent1">
+              <a:shade val="50000"/>
+            </a:schemeClr>
+          </a:lnRef>
+          <a:fillRef idx="1">
+            <a:schemeClr val="accent1"/>
+          </a:fillRef>
+          <a:effectRef idx="0">
+            <a:schemeClr val="accent1"/>
+          </a:effectRef>
+          <a:fontRef idx="minor">
+            <a:schemeClr val="lt1"/>
+          </a:fontRef>
+        </p:style>
+        <p:txBody>
+          <a:bodyPr rtlCol="0" anchor="ctr"/>
+          <a:lstStyle/>
+          <a:p>
+            <a:pPr algn="ctr"/>
+            <a:endParaRPr lang="en-US"/>
+          </a:p>
+        </p:txBody>
+      </p:sp>
+      <p:cxnSp>
+        <p:nvCxnSpPr>
+          <p:cNvPr id="8" name="Straight Arrow Connector 7">
+            <a:extLst>
+              <a:ext uri="{FF2B5EF4-FFF2-40B4-BE49-F238E27FC236}">
+                <a16:creationId xmlns:a16="http://schemas.microsoft.com/office/drawing/2014/main" id="{77B0C72A-B3B9-6E4D-B6B0-2089AAE933BD}"/>
+              </a:ext>
+            </a:extLst>
+          </p:cNvPr>
+          <p:cNvCxnSpPr/>
+          <p:nvPr/>
+        </p:nvCxnSpPr>
+        <p:spPr>
+          <a:xfrm>
+            <a:off x="3678621" y="2243958"/>
+            <a:ext cx="914400" cy="0"/>
+          </a:xfrm>
+          <a:prstGeom prst="straightConnector1">
+            <a:avLst/>
+          </a:prstGeom>
+          <a:ln>
+            <a:solidFill>
+              <a:schemeClr val="tx1"/>
+            </a:solidFill>
+            <a:tailEnd type="triangle"/>
+          </a:ln>
+        </p:spPr>
+        <p:style>
+          <a:lnRef idx="1">
+            <a:schemeClr val="accent1"/>
+          </a:lnRef>
+          <a:fillRef idx="0">
+            <a:schemeClr val="accent1"/>
+          </a:fillRef>
+          <a:effectRef idx="0">
+            <a:schemeClr val="accent1"/>
+          </a:effectRef>
+          <a:fontRef idx="minor">
+            <a:schemeClr val="tx1"/>
+          </a:fontRef>
+        </p:style>
+      </p:cxnSp>
+      <p:cxnSp>
+        <p:nvCxnSpPr>
+          <p:cNvPr id="9" name="Straight Arrow Connector 8">
+            <a:extLst>
+              <a:ext uri="{FF2B5EF4-FFF2-40B4-BE49-F238E27FC236}">
+                <a16:creationId xmlns:a16="http://schemas.microsoft.com/office/drawing/2014/main" id="{6ECB5398-EC36-134E-9A0E-D7DD6B3147A3}"/>
+              </a:ext>
+            </a:extLst>
+          </p:cNvPr>
+          <p:cNvCxnSpPr/>
+          <p:nvPr/>
+        </p:nvCxnSpPr>
+        <p:spPr>
+          <a:xfrm>
+            <a:off x="3678621" y="3615558"/>
+            <a:ext cx="914400" cy="0"/>
+          </a:xfrm>
+          <a:prstGeom prst="straightConnector1">
+            <a:avLst/>
+          </a:prstGeom>
+          <a:ln>
+            <a:solidFill>
+              <a:schemeClr val="tx1"/>
+            </a:solidFill>
+            <a:tailEnd type="triangle"/>
+          </a:ln>
+        </p:spPr>
+        <p:style>
+          <a:lnRef idx="1">
+            <a:schemeClr val="accent1"/>
+          </a:lnRef>
+          <a:fillRef idx="0">
+            <a:schemeClr val="accent1"/>
+          </a:fillRef>
+          <a:effectRef idx="0">
+            <a:schemeClr val="accent1"/>
+          </a:effectRef>
+          <a:fontRef idx="minor">
+            <a:schemeClr val="tx1"/>
+          </a:fontRef>
+        </p:style>
+      </p:cxnSp>
+      <p:cxnSp>
+        <p:nvCxnSpPr>
+          <p:cNvPr id="10" name="Straight Arrow Connector 9">
+            <a:extLst>
+              <a:ext uri="{FF2B5EF4-FFF2-40B4-BE49-F238E27FC236}">
+                <a16:creationId xmlns:a16="http://schemas.microsoft.com/office/drawing/2014/main" id="{80BEF456-E910-F94A-B8F6-AE494DC9CB51}"/>
+              </a:ext>
+            </a:extLst>
+          </p:cNvPr>
+          <p:cNvCxnSpPr/>
+          <p:nvPr/>
+        </p:nvCxnSpPr>
+        <p:spPr>
+          <a:xfrm>
+            <a:off x="3678621" y="4987158"/>
+            <a:ext cx="914400" cy="0"/>
+          </a:xfrm>
+          <a:prstGeom prst="straightConnector1">
+            <a:avLst/>
+          </a:prstGeom>
+          <a:ln>
+            <a:solidFill>
+              <a:schemeClr val="tx1"/>
+            </a:solidFill>
+            <a:tailEnd type="triangle"/>
+          </a:ln>
+        </p:spPr>
+        <p:style>
+          <a:lnRef idx="1">
+            <a:schemeClr val="accent1"/>
+          </a:lnRef>
+          <a:fillRef idx="0">
+            <a:schemeClr val="accent1"/>
+          </a:fillRef>
+          <a:effectRef idx="0">
+            <a:schemeClr val="accent1"/>
+          </a:effectRef>
+          <a:fontRef idx="minor">
+            <a:schemeClr val="tx1"/>
+          </a:fontRef>
+        </p:style>
+      </p:cxnSp>
+      <p:cxnSp>
+        <p:nvCxnSpPr>
+          <p:cNvPr id="11" name="Straight Arrow Connector 10">
+            <a:extLst>
+              <a:ext uri="{FF2B5EF4-FFF2-40B4-BE49-F238E27FC236}">
+                <a16:creationId xmlns:a16="http://schemas.microsoft.com/office/drawing/2014/main" id="{E6CA1A5C-F2C5-2646-868E-470F72A6FF35}"/>
+              </a:ext>
+            </a:extLst>
+          </p:cNvPr>
+          <p:cNvCxnSpPr/>
+          <p:nvPr/>
+        </p:nvCxnSpPr>
+        <p:spPr>
+          <a:xfrm>
+            <a:off x="6763407" y="2243958"/>
+            <a:ext cx="914400" cy="0"/>
+          </a:xfrm>
+          <a:prstGeom prst="straightConnector1">
+            <a:avLst/>
+          </a:prstGeom>
+          <a:ln>
+            <a:solidFill>
+              <a:schemeClr val="tx1"/>
+            </a:solidFill>
+            <a:tailEnd type="triangle"/>
+          </a:ln>
+        </p:spPr>
+        <p:style>
+          <a:lnRef idx="1">
+            <a:schemeClr val="accent1"/>
+          </a:lnRef>
+          <a:fillRef idx="0">
+            <a:schemeClr val="accent1"/>
+          </a:fillRef>
+          <a:effectRef idx="0">
+            <a:schemeClr val="accent1"/>
+          </a:effectRef>
+          <a:fontRef idx="minor">
+            <a:schemeClr val="tx1"/>
+          </a:fontRef>
+        </p:style>
+      </p:cxnSp>
+      <p:cxnSp>
+        <p:nvCxnSpPr>
+          <p:cNvPr id="12" name="Straight Arrow Connector 11">
+            <a:extLst>
+              <a:ext uri="{FF2B5EF4-FFF2-40B4-BE49-F238E27FC236}">
+                <a16:creationId xmlns:a16="http://schemas.microsoft.com/office/drawing/2014/main" id="{2381E938-D1E5-FF47-B8A7-A48BCE91E574}"/>
+              </a:ext>
+            </a:extLst>
+          </p:cNvPr>
+          <p:cNvCxnSpPr/>
+          <p:nvPr/>
+        </p:nvCxnSpPr>
+        <p:spPr>
+          <a:xfrm>
+            <a:off x="6763407" y="3615558"/>
+            <a:ext cx="914400" cy="0"/>
+          </a:xfrm>
+          <a:prstGeom prst="straightConnector1">
+            <a:avLst/>
+          </a:prstGeom>
+          <a:ln>
+            <a:solidFill>
+              <a:schemeClr val="tx1"/>
+            </a:solidFill>
+            <a:tailEnd type="triangle"/>
+          </a:ln>
+        </p:spPr>
+        <p:style>
+          <a:lnRef idx="1">
+            <a:schemeClr val="accent1"/>
+          </a:lnRef>
+          <a:fillRef idx="0">
+            <a:schemeClr val="accent1"/>
+          </a:fillRef>
+          <a:effectRef idx="0">
+            <a:schemeClr val="accent1"/>
+          </a:effectRef>
+          <a:fontRef idx="minor">
+            <a:schemeClr val="tx1"/>
+          </a:fontRef>
+        </p:style>
+      </p:cxnSp>
+      <p:cxnSp>
+        <p:nvCxnSpPr>
+          <p:cNvPr id="13" name="Straight Arrow Connector 12">
+            <a:extLst>
+              <a:ext uri="{FF2B5EF4-FFF2-40B4-BE49-F238E27FC236}">
+                <a16:creationId xmlns:a16="http://schemas.microsoft.com/office/drawing/2014/main" id="{80511CCE-64DF-914C-BFB2-7F05DBEB22C9}"/>
+              </a:ext>
+            </a:extLst>
+          </p:cNvPr>
+          <p:cNvCxnSpPr/>
+          <p:nvPr/>
+        </p:nvCxnSpPr>
+        <p:spPr>
+          <a:xfrm>
+            <a:off x="6763407" y="4934606"/>
+            <a:ext cx="914400" cy="0"/>
+          </a:xfrm>
+          <a:prstGeom prst="straightConnector1">
+            <a:avLst/>
+          </a:prstGeom>
+          <a:ln>
+            <a:solidFill>
+              <a:schemeClr val="tx1"/>
+            </a:solidFill>
+            <a:tailEnd type="triangle"/>
+          </a:ln>
+        </p:spPr>
+        <p:style>
+          <a:lnRef idx="1">
+            <a:schemeClr val="accent1"/>
+          </a:lnRef>
+          <a:fillRef idx="0">
+            <a:schemeClr val="accent1"/>
+          </a:fillRef>
+          <a:effectRef idx="0">
+            <a:schemeClr val="accent1"/>
+          </a:effectRef>
+          <a:fontRef idx="minor">
+            <a:schemeClr val="tx1"/>
+          </a:fontRef>
+        </p:style>
+      </p:cxnSp>
+      <p:sp>
+        <p:nvSpPr>
+          <p:cNvPr id="14" name="TextBox 13">
+            <a:extLst>
+              <a:ext uri="{FF2B5EF4-FFF2-40B4-BE49-F238E27FC236}">
+                <a16:creationId xmlns:a16="http://schemas.microsoft.com/office/drawing/2014/main" id="{47DA00FB-4024-054A-9165-7DC5B27BAC98}"/>
+              </a:ext>
+            </a:extLst>
+          </p:cNvPr>
+          <p:cNvSpPr txBox="1"/>
+          <p:nvPr/>
+        </p:nvSpPr>
+        <p:spPr>
+          <a:xfrm>
+            <a:off x="3252565" y="2059292"/>
+            <a:ext cx="284052" cy="369332"/>
+          </a:xfrm>
+          <a:prstGeom prst="rect">
+            <a:avLst/>
+          </a:prstGeom>
+          <a:noFill/>
+        </p:spPr>
+        <p:txBody>
+          <a:bodyPr wrap="none" rtlCol="0">
+            <a:spAutoFit/>
+          </a:bodyPr>
+          <a:lstStyle/>
+          <a:p>
+            <a:r>
+              <a:rPr lang="en-US" dirty="0"/>
+              <a:t>x</a:t>
+            </a:r>
+          </a:p>
+        </p:txBody>
+      </p:sp>
+      <p:sp>
+        <p:nvSpPr>
+          <p:cNvPr id="15" name="TextBox 14">
+            <a:extLst>
+              <a:ext uri="{FF2B5EF4-FFF2-40B4-BE49-F238E27FC236}">
+                <a16:creationId xmlns:a16="http://schemas.microsoft.com/office/drawing/2014/main" id="{B45CDB0F-7CE8-B44C-86AC-A1B59C5EC32F}"/>
+              </a:ext>
+            </a:extLst>
+          </p:cNvPr>
+          <p:cNvSpPr txBox="1"/>
+          <p:nvPr/>
+        </p:nvSpPr>
+        <p:spPr>
+          <a:xfrm>
+            <a:off x="7873633" y="2043942"/>
+            <a:ext cx="288862" cy="369332"/>
+          </a:xfrm>
+          <a:prstGeom prst="rect">
+            <a:avLst/>
+          </a:prstGeom>
+          <a:noFill/>
+        </p:spPr>
+        <p:txBody>
+          <a:bodyPr wrap="none" rtlCol="0">
+            <a:spAutoFit/>
+          </a:bodyPr>
+          <a:lstStyle/>
+          <a:p>
+            <a:r>
+              <a:rPr lang="en-US" dirty="0"/>
+              <a:t>y</a:t>
+            </a:r>
+          </a:p>
+        </p:txBody>
+      </p:sp>
+      <p:sp>
+        <p:nvSpPr>
+          <p:cNvPr id="16" name="TextBox 15">
+            <a:extLst>
+              <a:ext uri="{FF2B5EF4-FFF2-40B4-BE49-F238E27FC236}">
+                <a16:creationId xmlns:a16="http://schemas.microsoft.com/office/drawing/2014/main" id="{AB90EE2D-F679-144C-88E0-BE6081C46212}"/>
+              </a:ext>
+            </a:extLst>
+          </p:cNvPr>
+          <p:cNvSpPr txBox="1"/>
+          <p:nvPr/>
+        </p:nvSpPr>
+        <p:spPr>
+          <a:xfrm>
+            <a:off x="3257956" y="3389218"/>
+            <a:ext cx="284052" cy="369332"/>
+          </a:xfrm>
+          <a:prstGeom prst="rect">
+            <a:avLst/>
+          </a:prstGeom>
+          <a:noFill/>
+        </p:spPr>
+        <p:txBody>
+          <a:bodyPr wrap="none" rtlCol="0">
+            <a:spAutoFit/>
+          </a:bodyPr>
+          <a:lstStyle/>
+          <a:p>
+            <a:r>
+              <a:rPr lang="en-US" dirty="0"/>
+              <a:t>x</a:t>
+            </a:r>
+          </a:p>
+        </p:txBody>
+      </p:sp>
+      <p:sp>
+        <p:nvSpPr>
+          <p:cNvPr id="17" name="TextBox 16">
+            <a:extLst>
+              <a:ext uri="{FF2B5EF4-FFF2-40B4-BE49-F238E27FC236}">
+                <a16:creationId xmlns:a16="http://schemas.microsoft.com/office/drawing/2014/main" id="{E0343D18-890D-F945-B503-669DAF19BD8B}"/>
+              </a:ext>
+            </a:extLst>
+          </p:cNvPr>
+          <p:cNvSpPr txBox="1"/>
+          <p:nvPr/>
+        </p:nvSpPr>
+        <p:spPr>
+          <a:xfrm>
+            <a:off x="7848503" y="3430892"/>
+            <a:ext cx="474361" cy="369332"/>
+          </a:xfrm>
+          <a:prstGeom prst="rect">
+            <a:avLst/>
+          </a:prstGeom>
+          <a:noFill/>
+        </p:spPr>
+        <p:txBody>
+          <a:bodyPr wrap="none" rtlCol="0">
+            <a:spAutoFit/>
+          </a:bodyPr>
+          <a:lstStyle/>
+          <a:p>
+            <a:r>
+              <a:rPr lang="en-US" dirty="0"/>
+              <a:t>y, z</a:t>
+            </a:r>
+          </a:p>
+        </p:txBody>
+      </p:sp>
+      <p:sp>
+        <p:nvSpPr>
+          <p:cNvPr id="18" name="TextBox 17">
+            <a:extLst>
+              <a:ext uri="{FF2B5EF4-FFF2-40B4-BE49-F238E27FC236}">
+                <a16:creationId xmlns:a16="http://schemas.microsoft.com/office/drawing/2014/main" id="{44E68FBF-4C4A-FF40-B9C0-6F7B86306664}"/>
+              </a:ext>
+            </a:extLst>
+          </p:cNvPr>
+          <p:cNvSpPr txBox="1"/>
+          <p:nvPr/>
+        </p:nvSpPr>
+        <p:spPr>
+          <a:xfrm>
+            <a:off x="3085173" y="4719144"/>
+            <a:ext cx="498855" cy="369332"/>
+          </a:xfrm>
+          <a:prstGeom prst="rect">
+            <a:avLst/>
+          </a:prstGeom>
+          <a:noFill/>
+        </p:spPr>
+        <p:txBody>
+          <a:bodyPr wrap="none" rtlCol="0">
+            <a:spAutoFit/>
+          </a:bodyPr>
+          <a:lstStyle/>
+          <a:p>
+            <a:r>
+              <a:rPr lang="en-US" dirty="0"/>
+              <a:t>x, y</a:t>
+            </a:r>
+          </a:p>
+        </p:txBody>
+      </p:sp>
+      <p:sp>
+        <p:nvSpPr>
+          <p:cNvPr id="19" name="TextBox 18">
+            <a:extLst>
+              <a:ext uri="{FF2B5EF4-FFF2-40B4-BE49-F238E27FC236}">
+                <a16:creationId xmlns:a16="http://schemas.microsoft.com/office/drawing/2014/main" id="{ABE7FFB2-5B6E-CE4A-9FE2-1A28D165B5A5}"/>
+              </a:ext>
+            </a:extLst>
+          </p:cNvPr>
+          <p:cNvSpPr txBox="1"/>
+          <p:nvPr/>
+        </p:nvSpPr>
+        <p:spPr>
+          <a:xfrm>
+            <a:off x="7947664" y="4749940"/>
+            <a:ext cx="276038" cy="369332"/>
+          </a:xfrm>
+          <a:prstGeom prst="rect">
+            <a:avLst/>
+          </a:prstGeom>
+          <a:noFill/>
+        </p:spPr>
+        <p:txBody>
+          <a:bodyPr wrap="none" rtlCol="0">
+            <a:spAutoFit/>
+          </a:bodyPr>
+          <a:lstStyle/>
+          <a:p>
+            <a:r>
+              <a:rPr lang="en-US" dirty="0"/>
+              <a:t>z</a:t>
+            </a:r>
+          </a:p>
+        </p:txBody>
+      </p:sp>
+    </p:spTree>
+    <p:extLst>
+      <p:ext uri="{BB962C8B-B14F-4D97-AF65-F5344CB8AC3E}">
+        <p14:creationId xmlns:p14="http://schemas.microsoft.com/office/powerpoint/2010/main" val="2550015776"/>
+      </p:ext>
+    </p:extLst>
+  </p:cSld>
+  <p:clrMapOvr>
+    <a:masterClrMapping/>
+  </p:clrMapOvr>
+</p:sld>
+</file>
+
+<file path=ppt/slides/slide21.xml><?xml version="1.0" encoding="utf-8"?>
+<p:sld xmlns:a="http://schemas.openxmlformats.org/drawingml/2006/main" xmlns:r="http://schemas.openxmlformats.org/officeDocument/2006/relationships" xmlns:p="http://schemas.openxmlformats.org/presentationml/2006/main">
+  <p:cSld>
+    <p:spTree>
+      <p:nvGrpSpPr>
+        <p:cNvPr id="1" name=""/>
+        <p:cNvGrpSpPr/>
+        <p:nvPr/>
+      </p:nvGrpSpPr>
+      <p:grpSpPr>
+        <a:xfrm>
+          <a:off x="0" y="0"/>
+          <a:ext cx="0" cy="0"/>
+          <a:chOff x="0" y="0"/>
+          <a:chExt cx="0" cy="0"/>
+        </a:xfrm>
+      </p:grpSpPr>
+      <p:sp>
+        <p:nvSpPr>
+          <p:cNvPr id="2" name="Title 1">
+            <a:extLst>
+              <a:ext uri="{FF2B5EF4-FFF2-40B4-BE49-F238E27FC236}">
+                <a16:creationId xmlns:a16="http://schemas.microsoft.com/office/drawing/2014/main" id="{5A7EF2DE-1DCF-0841-B147-5142CF3E70C1}"/>
+              </a:ext>
+            </a:extLst>
+          </p:cNvPr>
+          <p:cNvSpPr>
+            <a:spLocks noGrp="1"/>
+          </p:cNvSpPr>
+          <p:nvPr>
+            <p:ph type="title"/>
+          </p:nvPr>
+        </p:nvSpPr>
+        <p:spPr/>
+        <p:txBody>
+          <a:bodyPr/>
+          <a:lstStyle/>
+          <a:p>
+            <a:r>
+              <a:rPr lang="en-US" dirty="0"/>
+              <a:t>Functions</a:t>
+            </a:r>
+          </a:p>
+        </p:txBody>
+      </p:sp>
+      <p:sp>
+        <p:nvSpPr>
+          <p:cNvPr id="3" name="Content Placeholder 2">
+            <a:extLst>
+              <a:ext uri="{FF2B5EF4-FFF2-40B4-BE49-F238E27FC236}">
+                <a16:creationId xmlns:a16="http://schemas.microsoft.com/office/drawing/2014/main" id="{B8774650-EEC0-2B40-B422-EE6E105C29F6}"/>
+              </a:ext>
+            </a:extLst>
+          </p:cNvPr>
+          <p:cNvSpPr>
+            <a:spLocks noGrp="1"/>
+          </p:cNvSpPr>
+          <p:nvPr>
+            <p:ph idx="1"/>
+          </p:nvPr>
+        </p:nvSpPr>
+        <p:spPr/>
+        <p:txBody>
+          <a:bodyPr/>
+          <a:lstStyle/>
+          <a:p>
+            <a:r>
+              <a:rPr lang="en-US" dirty="0"/>
+              <a:t>Useful for commonly run tasks</a:t>
+            </a:r>
+          </a:p>
+          <a:p>
+            <a:r>
+              <a:rPr lang="en-US" dirty="0"/>
+              <a:t>Useful for functions others might want to run themselves</a:t>
+            </a:r>
+          </a:p>
+          <a:p>
+            <a:pPr lvl="1"/>
+            <a:r>
+              <a:rPr lang="en-US" dirty="0"/>
+              <a:t>Packaged and distributed as “libraries”</a:t>
+            </a:r>
+          </a:p>
+        </p:txBody>
+      </p:sp>
+    </p:spTree>
+    <p:extLst>
+      <p:ext uri="{BB962C8B-B14F-4D97-AF65-F5344CB8AC3E}">
+        <p14:creationId xmlns:p14="http://schemas.microsoft.com/office/powerpoint/2010/main" val="599517283"/>
+      </p:ext>
+    </p:extLst>
+  </p:cSld>
+  <p:clrMapOvr>
+    <a:masterClrMapping/>
+  </p:clrMapOvr>
+</p:sld>
+</file>
+
+<file path=ppt/slides/slide22.xml><?xml version="1.0" encoding="utf-8"?>
+<p:sld xmlns:a="http://schemas.openxmlformats.org/drawingml/2006/main" xmlns:r="http://schemas.openxmlformats.org/officeDocument/2006/relationships" xmlns:p="http://schemas.openxmlformats.org/presentationml/2006/main">
+  <p:cSld>
+    <p:spTree>
+      <p:nvGrpSpPr>
+        <p:cNvPr id="1" name=""/>
+        <p:cNvGrpSpPr/>
+        <p:nvPr/>
+      </p:nvGrpSpPr>
+      <p:grpSpPr>
+        <a:xfrm>
+          <a:off x="0" y="0"/>
+          <a:ext cx="0" cy="0"/>
+          <a:chOff x="0" y="0"/>
+          <a:chExt cx="0" cy="0"/>
+        </a:xfrm>
+      </p:grpSpPr>
+      <p:sp>
+        <p:nvSpPr>
+          <p:cNvPr id="2" name="Title 1">
+            <a:extLst>
+              <a:ext uri="{FF2B5EF4-FFF2-40B4-BE49-F238E27FC236}">
+                <a16:creationId xmlns:a16="http://schemas.microsoft.com/office/drawing/2014/main" id="{E0F2B453-2E6C-DB4A-9D2A-C3188800F1D4}"/>
+              </a:ext>
+            </a:extLst>
+          </p:cNvPr>
+          <p:cNvSpPr>
+            <a:spLocks noGrp="1"/>
+          </p:cNvSpPr>
+          <p:nvPr>
+            <p:ph type="title"/>
+          </p:nvPr>
+        </p:nvSpPr>
+        <p:spPr/>
+        <p:txBody>
+          <a:bodyPr/>
+          <a:lstStyle/>
+          <a:p>
+            <a:r>
+              <a:rPr lang="en-US" dirty="0"/>
+              <a:t>Libraries</a:t>
+            </a:r>
+          </a:p>
+        </p:txBody>
+      </p:sp>
+      <p:sp>
+        <p:nvSpPr>
+          <p:cNvPr id="3" name="Content Placeholder 2">
+            <a:extLst>
+              <a:ext uri="{FF2B5EF4-FFF2-40B4-BE49-F238E27FC236}">
+                <a16:creationId xmlns:a16="http://schemas.microsoft.com/office/drawing/2014/main" id="{BFF0796C-6604-DB44-9874-F31A54237A6E}"/>
+              </a:ext>
+            </a:extLst>
+          </p:cNvPr>
+          <p:cNvSpPr>
+            <a:spLocks noGrp="1"/>
+          </p:cNvSpPr>
+          <p:nvPr>
+            <p:ph idx="1"/>
+          </p:nvPr>
+        </p:nvSpPr>
+        <p:spPr/>
+        <p:txBody>
+          <a:bodyPr>
+            <a:normAutofit/>
+          </a:bodyPr>
+          <a:lstStyle/>
+          <a:p>
+            <a:r>
+              <a:rPr lang="en-US" dirty="0"/>
+              <a:t>A collection of functions</a:t>
+            </a:r>
+          </a:p>
+          <a:p>
+            <a:pPr marL="0" indent="0">
+              <a:buNone/>
+            </a:pPr>
+            <a:endParaRPr lang="en-US" dirty="0"/>
+          </a:p>
+          <a:p>
+            <a:r>
+              <a:rPr lang="en-US" dirty="0"/>
+              <a:t>Download as follows:</a:t>
+            </a:r>
+          </a:p>
+          <a:p>
+            <a:pPr lvl="1"/>
+            <a:r>
+              <a:rPr lang="en-US" dirty="0"/>
+              <a:t>Basic packages:</a:t>
+            </a:r>
+          </a:p>
+          <a:p>
+            <a:pPr lvl="2"/>
+            <a:r>
+              <a:rPr lang="en-US" dirty="0"/>
+              <a:t>Included with Python</a:t>
+            </a:r>
+          </a:p>
+          <a:p>
+            <a:pPr lvl="1"/>
+            <a:r>
+              <a:rPr lang="en-US" dirty="0"/>
+              <a:t>External packages:</a:t>
+            </a:r>
+          </a:p>
+          <a:p>
+            <a:pPr lvl="2"/>
+            <a:r>
+              <a:rPr lang="en-US" dirty="0"/>
+              <a:t>Download with </a:t>
+            </a:r>
+            <a:r>
+              <a:rPr lang="en-US" dirty="0" err="1"/>
+              <a:t>conda</a:t>
+            </a:r>
+            <a:endParaRPr lang="en-US" dirty="0"/>
+          </a:p>
+          <a:p>
+            <a:pPr marL="914400" lvl="2" indent="0">
+              <a:buNone/>
+            </a:pPr>
+            <a:r>
+              <a:rPr lang="en-US" sz="1800" dirty="0">
+                <a:latin typeface="Consolas" panose="020B0609020204030204" pitchFamily="49" charset="0"/>
+                <a:cs typeface="Consolas" panose="020B0609020204030204" pitchFamily="49" charset="0"/>
+              </a:rPr>
+              <a:t>$ </a:t>
+            </a:r>
+            <a:r>
+              <a:rPr lang="en-US" sz="1800" dirty="0" err="1">
+                <a:latin typeface="Consolas" panose="020B0609020204030204" pitchFamily="49" charset="0"/>
+                <a:cs typeface="Consolas" panose="020B0609020204030204" pitchFamily="49" charset="0"/>
+              </a:rPr>
+              <a:t>conda</a:t>
+            </a:r>
+            <a:r>
+              <a:rPr lang="en-US" sz="1800" dirty="0">
+                <a:latin typeface="Consolas" panose="020B0609020204030204" pitchFamily="49" charset="0"/>
+                <a:cs typeface="Consolas" panose="020B0609020204030204" pitchFamily="49" charset="0"/>
+              </a:rPr>
+              <a:t> install pandas</a:t>
+            </a:r>
+          </a:p>
+        </p:txBody>
+      </p:sp>
+    </p:spTree>
+    <p:extLst>
+      <p:ext uri="{BB962C8B-B14F-4D97-AF65-F5344CB8AC3E}">
+        <p14:creationId xmlns:p14="http://schemas.microsoft.com/office/powerpoint/2010/main" val="3753786948"/>
+      </p:ext>
+    </p:extLst>
+  </p:cSld>
+  <p:clrMapOvr>
+    <a:masterClrMapping/>
+  </p:clrMapOvr>
+</p:sld>
+</file>
+
+<file path=ppt/slides/slide23.xml><?xml version="1.0" encoding="utf-8"?>
+<p:sld xmlns:a="http://schemas.openxmlformats.org/drawingml/2006/main" xmlns:r="http://schemas.openxmlformats.org/officeDocument/2006/relationships" xmlns:p="http://schemas.openxmlformats.org/presentationml/2006/main">
+  <p:cSld>
+    <p:spTree>
+      <p:nvGrpSpPr>
+        <p:cNvPr id="1" name=""/>
+        <p:cNvGrpSpPr/>
+        <p:nvPr/>
+      </p:nvGrpSpPr>
+      <p:grpSpPr>
+        <a:xfrm>
+          <a:off x="0" y="0"/>
+          <a:ext cx="0" cy="0"/>
+          <a:chOff x="0" y="0"/>
+          <a:chExt cx="0" cy="0"/>
+        </a:xfrm>
+      </p:grpSpPr>
+      <p:sp>
+        <p:nvSpPr>
+          <p:cNvPr id="2" name="Title 1">
+            <a:extLst>
+              <a:ext uri="{FF2B5EF4-FFF2-40B4-BE49-F238E27FC236}">
+                <a16:creationId xmlns:a16="http://schemas.microsoft.com/office/drawing/2014/main" id="{BA35BCDC-F2AA-254F-8956-DA53E7D1C416}"/>
+              </a:ext>
+            </a:extLst>
+          </p:cNvPr>
+          <p:cNvSpPr>
+            <a:spLocks noGrp="1"/>
+          </p:cNvSpPr>
+          <p:nvPr>
+            <p:ph type="title"/>
+          </p:nvPr>
+        </p:nvSpPr>
+        <p:spPr/>
+        <p:txBody>
+          <a:bodyPr/>
+          <a:lstStyle/>
+          <a:p>
+            <a:r>
+              <a:rPr lang="en-US" dirty="0"/>
+              <a:t>Loading a library</a:t>
+            </a:r>
+          </a:p>
+        </p:txBody>
+      </p:sp>
+      <p:sp>
+        <p:nvSpPr>
+          <p:cNvPr id="3" name="Content Placeholder 2">
+            <a:extLst>
+              <a:ext uri="{FF2B5EF4-FFF2-40B4-BE49-F238E27FC236}">
+                <a16:creationId xmlns:a16="http://schemas.microsoft.com/office/drawing/2014/main" id="{E505E5FC-95F3-3A46-BA44-A5C1C5F245CE}"/>
+              </a:ext>
+            </a:extLst>
+          </p:cNvPr>
+          <p:cNvSpPr>
+            <a:spLocks noGrp="1"/>
+          </p:cNvSpPr>
+          <p:nvPr>
+            <p:ph idx="1"/>
+          </p:nvPr>
+        </p:nvSpPr>
+        <p:spPr/>
+        <p:txBody>
+          <a:bodyPr>
+            <a:normAutofit/>
+          </a:bodyPr>
+          <a:lstStyle/>
+          <a:p>
+            <a:r>
+              <a:rPr lang="en-US" dirty="0"/>
+              <a:t>Need to give the session or script access to the functions from the library</a:t>
+            </a:r>
+          </a:p>
+          <a:p>
+            <a:pPr marL="457200" lvl="1" indent="0">
+              <a:buNone/>
+            </a:pPr>
+            <a:r>
+              <a:rPr lang="en-US" dirty="0">
+                <a:latin typeface="Consolas" panose="020B0609020204030204" pitchFamily="49" charset="0"/>
+                <a:cs typeface="Consolas" panose="020B0609020204030204" pitchFamily="49" charset="0"/>
+              </a:rPr>
+              <a:t>&gt;&gt;&gt; import </a:t>
+            </a:r>
+            <a:r>
+              <a:rPr lang="en-US" dirty="0" err="1">
+                <a:latin typeface="Consolas" panose="020B0609020204030204" pitchFamily="49" charset="0"/>
+                <a:cs typeface="Consolas" panose="020B0609020204030204" pitchFamily="49" charset="0"/>
+              </a:rPr>
+              <a:t>os</a:t>
+            </a:r>
+            <a:endParaRPr lang="en-US" dirty="0">
+              <a:latin typeface="Consolas" panose="020B0609020204030204" pitchFamily="49" charset="0"/>
+              <a:cs typeface="Consolas" panose="020B0609020204030204" pitchFamily="49" charset="0"/>
+            </a:endParaRPr>
+          </a:p>
+          <a:p>
+            <a:pPr marL="457200" lvl="1" indent="0">
+              <a:buNone/>
+            </a:pPr>
+            <a:r>
+              <a:rPr lang="en-US" dirty="0">
+                <a:latin typeface="Consolas" panose="020B0609020204030204" pitchFamily="49" charset="0"/>
+                <a:cs typeface="Consolas" panose="020B0609020204030204" pitchFamily="49" charset="0"/>
+              </a:rPr>
+              <a:t>&gt;&gt;&gt; import pandas</a:t>
+            </a:r>
+          </a:p>
+          <a:p>
+            <a:pPr lvl="1"/>
+            <a:endParaRPr lang="en-US" dirty="0"/>
+          </a:p>
+        </p:txBody>
+      </p:sp>
+    </p:spTree>
+    <p:extLst>
+      <p:ext uri="{BB962C8B-B14F-4D97-AF65-F5344CB8AC3E}">
+        <p14:creationId xmlns:p14="http://schemas.microsoft.com/office/powerpoint/2010/main" val="2314666645"/>
+      </p:ext>
+    </p:extLst>
+  </p:cSld>
+  <p:clrMapOvr>
+    <a:masterClrMapping/>
+  </p:clrMapOvr>
+</p:sld>
+</file>
+
+<file path=ppt/slides/slide24.xml><?xml version="1.0" encoding="utf-8"?>
+<p:sld xmlns:a="http://schemas.openxmlformats.org/drawingml/2006/main" xmlns:r="http://schemas.openxmlformats.org/officeDocument/2006/relationships" xmlns:p="http://schemas.openxmlformats.org/presentationml/2006/main">
+  <p:cSld>
+    <p:spTree>
+      <p:nvGrpSpPr>
+        <p:cNvPr id="1" name=""/>
+        <p:cNvGrpSpPr/>
+        <p:nvPr/>
+      </p:nvGrpSpPr>
+      <p:grpSpPr>
+        <a:xfrm>
+          <a:off x="0" y="0"/>
+          <a:ext cx="0" cy="0"/>
+          <a:chOff x="0" y="0"/>
+          <a:chExt cx="0" cy="0"/>
+        </a:xfrm>
+      </p:grpSpPr>
+      <p:sp>
+        <p:nvSpPr>
+          <p:cNvPr id="2" name="Title 1">
+            <a:extLst>
+              <a:ext uri="{FF2B5EF4-FFF2-40B4-BE49-F238E27FC236}">
+                <a16:creationId xmlns:a16="http://schemas.microsoft.com/office/drawing/2014/main" id="{AEB3EA86-A9DA-EB41-90D7-2B68DC160554}"/>
+              </a:ext>
+            </a:extLst>
+          </p:cNvPr>
+          <p:cNvSpPr>
+            <a:spLocks noGrp="1"/>
+          </p:cNvSpPr>
+          <p:nvPr>
+            <p:ph type="title"/>
+          </p:nvPr>
+        </p:nvSpPr>
+        <p:spPr/>
+        <p:txBody>
+          <a:bodyPr/>
+          <a:lstStyle/>
+          <a:p>
+            <a:r>
+              <a:rPr lang="en-US" dirty="0"/>
+              <a:t>Homework</a:t>
+            </a:r>
+          </a:p>
+        </p:txBody>
+      </p:sp>
+      <p:sp>
+        <p:nvSpPr>
+          <p:cNvPr id="3" name="Content Placeholder 2">
+            <a:extLst>
+              <a:ext uri="{FF2B5EF4-FFF2-40B4-BE49-F238E27FC236}">
+                <a16:creationId xmlns:a16="http://schemas.microsoft.com/office/drawing/2014/main" id="{E8B64907-6873-794B-A9D0-0C5C9B39D3CA}"/>
+              </a:ext>
+            </a:extLst>
+          </p:cNvPr>
+          <p:cNvSpPr>
+            <a:spLocks noGrp="1"/>
+          </p:cNvSpPr>
+          <p:nvPr>
+            <p:ph idx="1"/>
+          </p:nvPr>
+        </p:nvSpPr>
+        <p:spPr/>
+        <p:txBody>
+          <a:bodyPr>
+            <a:normAutofit fontScale="92500"/>
+          </a:bodyPr>
+          <a:lstStyle/>
+          <a:p>
+            <a:r>
+              <a:rPr lang="en-US" dirty="0"/>
+              <a:t>Transfer one of the alignment files to your personal computer and open in IGV. Find a gene whose transcripts (isoforms) seem to be differentially expressed.</a:t>
+            </a:r>
+          </a:p>
+          <a:p>
+            <a:endParaRPr lang="en-US" dirty="0"/>
+          </a:p>
+          <a:p>
+            <a:r>
+              <a:rPr lang="en-US" dirty="0"/>
+              <a:t>Create a dictionary of a mock classroom of students and their test scores. </a:t>
+            </a:r>
+          </a:p>
+          <a:p>
+            <a:r>
+              <a:rPr lang="en-US" dirty="0"/>
+              <a:t>Create an array of students’ names, include names that were not in the dictionary. </a:t>
+            </a:r>
+          </a:p>
+          <a:p>
+            <a:r>
+              <a:rPr lang="en-US" dirty="0"/>
+              <a:t>Access each student in the array, determine if they are in the dictionary programmatically, and print out a sentence that states “[student] got a [score] on their test.”</a:t>
+            </a:r>
+          </a:p>
+          <a:p>
+            <a:endParaRPr lang="en-US" dirty="0"/>
+          </a:p>
+        </p:txBody>
+      </p:sp>
+    </p:spTree>
+    <p:extLst>
+      <p:ext uri="{BB962C8B-B14F-4D97-AF65-F5344CB8AC3E}">
+        <p14:creationId xmlns:p14="http://schemas.microsoft.com/office/powerpoint/2010/main" val="3464273398"/>
+      </p:ext>
+    </p:extLst>
+  </p:cSld>
+  <p:clrMapOvr>
+    <a:masterClrMapping/>
+  </p:clrMapOvr>
+</p:sld>
+</file>
+
+<file path=ppt/slides/slide3.xml><?xml version="1.0" encoding="utf-8"?>
+<p:sld xmlns:a="http://schemas.openxmlformats.org/drawingml/2006/main" xmlns:r="http://schemas.openxmlformats.org/officeDocument/2006/relationships" xmlns:p="http://schemas.openxmlformats.org/presentationml/2006/main">
+  <p:cSld>
+    <p:spTree>
+      <p:nvGrpSpPr>
+        <p:cNvPr id="1" name=""/>
+        <p:cNvGrpSpPr/>
+        <p:nvPr/>
+      </p:nvGrpSpPr>
+      <p:grpSpPr>
+        <a:xfrm>
+          <a:off x="0" y="0"/>
+          <a:ext cx="0" cy="0"/>
+          <a:chOff x="0" y="0"/>
+          <a:chExt cx="0" cy="0"/>
+        </a:xfrm>
+      </p:grpSpPr>
+      <p:sp>
+        <p:nvSpPr>
+          <p:cNvPr id="2" name="Title 1">
+            <a:extLst>
+              <a:ext uri="{FF2B5EF4-FFF2-40B4-BE49-F238E27FC236}">
+                <a16:creationId xmlns:a16="http://schemas.microsoft.com/office/drawing/2014/main" id="{5185FB46-AE83-9543-AAF8-6C9C7AF671F7}"/>
+              </a:ext>
+            </a:extLst>
+          </p:cNvPr>
+          <p:cNvSpPr>
+            <a:spLocks noGrp="1"/>
+          </p:cNvSpPr>
+          <p:nvPr>
+            <p:ph type="title"/>
+          </p:nvPr>
+        </p:nvSpPr>
+        <p:spPr/>
+        <p:txBody>
+          <a:bodyPr/>
+          <a:lstStyle/>
+          <a:p>
+            <a:r>
+              <a:rPr lang="en-US" dirty="0"/>
+              <a:t>Transferring files to your personal computer</a:t>
+            </a:r>
+          </a:p>
+        </p:txBody>
+      </p:sp>
+      <p:sp>
+        <p:nvSpPr>
+          <p:cNvPr id="3" name="Content Placeholder 2">
+            <a:extLst>
+              <a:ext uri="{FF2B5EF4-FFF2-40B4-BE49-F238E27FC236}">
+                <a16:creationId xmlns:a16="http://schemas.microsoft.com/office/drawing/2014/main" id="{DDEC07A2-469F-C74D-B12A-A6387253F3D0}"/>
+              </a:ext>
+            </a:extLst>
+          </p:cNvPr>
+          <p:cNvSpPr>
+            <a:spLocks noGrp="1"/>
+          </p:cNvSpPr>
+          <p:nvPr>
+            <p:ph idx="1"/>
+          </p:nvPr>
+        </p:nvSpPr>
+        <p:spPr/>
+        <p:txBody>
+          <a:bodyPr/>
+          <a:lstStyle/>
+          <a:p>
+            <a:r>
+              <a:rPr lang="en-US" dirty="0"/>
+              <a:t>From your personal computer/terminal</a:t>
+            </a:r>
+          </a:p>
+          <a:p>
+            <a:pPr marL="457200" lvl="1" indent="0">
+              <a:buNone/>
+            </a:pPr>
+            <a:r>
+              <a:rPr lang="en-US" sz="2000" dirty="0">
+                <a:latin typeface="Consolas" panose="020B0609020204030204" pitchFamily="49" charset="0"/>
+                <a:cs typeface="Consolas" panose="020B0609020204030204" pitchFamily="49" charset="0"/>
+              </a:rPr>
+              <a:t>$ </a:t>
+            </a:r>
+            <a:r>
+              <a:rPr lang="en-US" sz="2000" dirty="0" err="1">
+                <a:latin typeface="Consolas" panose="020B0609020204030204" pitchFamily="49" charset="0"/>
+                <a:cs typeface="Consolas" panose="020B0609020204030204" pitchFamily="49" charset="0"/>
+              </a:rPr>
+              <a:t>scp</a:t>
+            </a:r>
+            <a:r>
+              <a:rPr lang="en-US" sz="2000" dirty="0">
+                <a:latin typeface="Consolas" panose="020B0609020204030204" pitchFamily="49" charset="0"/>
+                <a:cs typeface="Consolas" panose="020B0609020204030204" pitchFamily="49" charset="0"/>
+              </a:rPr>
+              <a:t> uNID@notchpeak.chpc.utah.edu:~/path/to/file.bam ./ </a:t>
+            </a:r>
+          </a:p>
+          <a:p>
+            <a:pPr marL="457200" lvl="1" indent="0">
+              <a:buNone/>
+            </a:pPr>
+            <a:r>
+              <a:rPr lang="en-US" sz="2000" dirty="0">
+                <a:latin typeface="Consolas" panose="020B0609020204030204" pitchFamily="49" charset="0"/>
+                <a:cs typeface="Consolas" panose="020B0609020204030204" pitchFamily="49" charset="0"/>
+              </a:rPr>
+              <a:t>$ </a:t>
+            </a:r>
+            <a:r>
+              <a:rPr lang="en-US" sz="2000" dirty="0" err="1">
+                <a:latin typeface="Consolas" panose="020B0609020204030204" pitchFamily="49" charset="0"/>
+                <a:cs typeface="Consolas" panose="020B0609020204030204" pitchFamily="49" charset="0"/>
+              </a:rPr>
+              <a:t>scp</a:t>
+            </a:r>
+            <a:r>
+              <a:rPr lang="en-US" sz="2000" dirty="0">
+                <a:latin typeface="Consolas" panose="020B0609020204030204" pitchFamily="49" charset="0"/>
+                <a:cs typeface="Consolas" panose="020B0609020204030204" pitchFamily="49" charset="0"/>
+              </a:rPr>
+              <a:t> </a:t>
+            </a:r>
+            <a:r>
+              <a:rPr lang="en-US" sz="2000" dirty="0" err="1">
+                <a:latin typeface="Consolas" panose="020B0609020204030204" pitchFamily="49" charset="0"/>
+                <a:cs typeface="Consolas" panose="020B0609020204030204" pitchFamily="49" charset="0"/>
+              </a:rPr>
+              <a:t>uNID@notchpeak.chpc.utah.edu</a:t>
+            </a:r>
+            <a:r>
+              <a:rPr lang="en-US" sz="2000" dirty="0">
+                <a:latin typeface="Consolas" panose="020B0609020204030204" pitchFamily="49" charset="0"/>
+                <a:cs typeface="Consolas" panose="020B0609020204030204" pitchFamily="49" charset="0"/>
+              </a:rPr>
+              <a:t>:~/path/to/</a:t>
+            </a:r>
+            <a:r>
+              <a:rPr lang="en-US" sz="2000" dirty="0" err="1">
+                <a:latin typeface="Consolas" panose="020B0609020204030204" pitchFamily="49" charset="0"/>
+                <a:cs typeface="Consolas" panose="020B0609020204030204" pitchFamily="49" charset="0"/>
+              </a:rPr>
+              <a:t>file.bam.bai</a:t>
+            </a:r>
+            <a:r>
+              <a:rPr lang="en-US" sz="2000" dirty="0">
+                <a:latin typeface="Consolas" panose="020B0609020204030204" pitchFamily="49" charset="0"/>
+                <a:cs typeface="Consolas" panose="020B0609020204030204" pitchFamily="49" charset="0"/>
+              </a:rPr>
+              <a:t> ./ </a:t>
+            </a:r>
+          </a:p>
+          <a:p>
+            <a:pPr marL="457200" lvl="1" indent="0">
+              <a:buNone/>
+            </a:pPr>
+            <a:endParaRPr lang="en-US" dirty="0"/>
+          </a:p>
+        </p:txBody>
+      </p:sp>
+    </p:spTree>
+    <p:extLst>
+      <p:ext uri="{BB962C8B-B14F-4D97-AF65-F5344CB8AC3E}">
+        <p14:creationId xmlns:p14="http://schemas.microsoft.com/office/powerpoint/2010/main" val="1521427285"/>
+      </p:ext>
+    </p:extLst>
+  </p:cSld>
+  <p:clrMapOvr>
+    <a:masterClrMapping/>
+  </p:clrMapOvr>
+</p:sld>
+</file>
+
+<file path=ppt/slides/slide4.xml><?xml version="1.0" encoding="utf-8"?>
+<p:sld xmlns:a="http://schemas.openxmlformats.org/drawingml/2006/main" xmlns:r="http://schemas.openxmlformats.org/officeDocument/2006/relationships" xmlns:p="http://schemas.openxmlformats.org/presentationml/2006/main">
+  <p:cSld>
+    <p:spTree>
+      <p:nvGrpSpPr>
+        <p:cNvPr id="1" name=""/>
+        <p:cNvGrpSpPr/>
+        <p:nvPr/>
+      </p:nvGrpSpPr>
+      <p:grpSpPr>
+        <a:xfrm>
+          <a:off x="0" y="0"/>
+          <a:ext cx="0" cy="0"/>
+          <a:chOff x="0" y="0"/>
+          <a:chExt cx="0" cy="0"/>
+        </a:xfrm>
+      </p:grpSpPr>
+      <p:sp>
+        <p:nvSpPr>
+          <p:cNvPr id="2" name="Title 1">
+            <a:extLst>
+              <a:ext uri="{FF2B5EF4-FFF2-40B4-BE49-F238E27FC236}">
+                <a16:creationId xmlns:a16="http://schemas.microsoft.com/office/drawing/2014/main" id="{5B444155-FC56-C340-A941-74D43908A864}"/>
+              </a:ext>
+            </a:extLst>
+          </p:cNvPr>
+          <p:cNvSpPr>
+            <a:spLocks noGrp="1"/>
+          </p:cNvSpPr>
+          <p:nvPr>
+            <p:ph type="title"/>
+          </p:nvPr>
+        </p:nvSpPr>
+        <p:spPr/>
+        <p:txBody>
+          <a:bodyPr/>
+          <a:lstStyle/>
+          <a:p>
+            <a:r>
+              <a:rPr lang="en-US" dirty="0"/>
+              <a:t>Visualizing read pile-ups with IGV</a:t>
+            </a:r>
+          </a:p>
+        </p:txBody>
+      </p:sp>
+      <p:sp>
+        <p:nvSpPr>
+          <p:cNvPr id="3" name="Content Placeholder 2">
+            <a:extLst>
+              <a:ext uri="{FF2B5EF4-FFF2-40B4-BE49-F238E27FC236}">
+                <a16:creationId xmlns:a16="http://schemas.microsoft.com/office/drawing/2014/main" id="{B7D3C852-0E5C-9348-BD4B-F80F40666E2F}"/>
+              </a:ext>
+            </a:extLst>
+          </p:cNvPr>
+          <p:cNvSpPr>
+            <a:spLocks noGrp="1"/>
+          </p:cNvSpPr>
+          <p:nvPr>
+            <p:ph idx="1"/>
+          </p:nvPr>
+        </p:nvSpPr>
+        <p:spPr/>
+        <p:txBody>
+          <a:bodyPr/>
+          <a:lstStyle/>
+          <a:p>
+            <a:r>
+              <a:rPr lang="en-US" dirty="0"/>
+              <a:t>Download IGV: </a:t>
+            </a:r>
+          </a:p>
+          <a:p>
+            <a:pPr lvl="1"/>
+            <a:r>
+              <a:rPr lang="en-US" dirty="0">
+                <a:hlinkClick r:id="rId2"/>
+              </a:rPr>
+              <a:t>https://software.broadinstitute.org/software/igv/download</a:t>
+            </a:r>
+            <a:endParaRPr lang="en-US" dirty="0"/>
+          </a:p>
+          <a:p>
+            <a:r>
+              <a:rPr lang="en-US" dirty="0"/>
+              <a:t>Drag and drop BAM file into viewer</a:t>
+            </a:r>
+          </a:p>
+        </p:txBody>
+      </p:sp>
+      <p:pic>
+        <p:nvPicPr>
+          <p:cNvPr id="4" name="Picture 3">
+            <a:extLst>
+              <a:ext uri="{FF2B5EF4-FFF2-40B4-BE49-F238E27FC236}">
+                <a16:creationId xmlns:a16="http://schemas.microsoft.com/office/drawing/2014/main" id="{7D67D0E7-1E92-C14C-A23A-0968B7AB8BF6}"/>
+              </a:ext>
+            </a:extLst>
+          </p:cNvPr>
+          <p:cNvPicPr>
+            <a:picLocks noChangeAspect="1"/>
+          </p:cNvPicPr>
+          <p:nvPr/>
+        </p:nvPicPr>
+        <p:blipFill>
+          <a:blip r:embed="rId3"/>
+          <a:stretch>
+            <a:fillRect/>
+          </a:stretch>
+        </p:blipFill>
+        <p:spPr>
+          <a:xfrm>
+            <a:off x="0" y="0"/>
+            <a:ext cx="12192000" cy="6858000"/>
+          </a:xfrm>
+          <a:prstGeom prst="rect">
+            <a:avLst/>
+          </a:prstGeom>
+        </p:spPr>
+      </p:pic>
+      <p:pic>
+        <p:nvPicPr>
+          <p:cNvPr id="6" name="Picture 5">
+            <a:extLst>
+              <a:ext uri="{FF2B5EF4-FFF2-40B4-BE49-F238E27FC236}">
+                <a16:creationId xmlns:a16="http://schemas.microsoft.com/office/drawing/2014/main" id="{ACEEE843-8032-2148-B45D-6FDAFABD65DF}"/>
+              </a:ext>
+            </a:extLst>
+          </p:cNvPr>
+          <p:cNvPicPr>
+            <a:picLocks noChangeAspect="1"/>
+          </p:cNvPicPr>
+          <p:nvPr/>
+        </p:nvPicPr>
+        <p:blipFill>
+          <a:blip r:embed="rId4"/>
+          <a:stretch>
+            <a:fillRect/>
+          </a:stretch>
+        </p:blipFill>
+        <p:spPr>
+          <a:xfrm>
+            <a:off x="2601310" y="3676810"/>
+            <a:ext cx="6989379" cy="2500153"/>
+          </a:xfrm>
+          <a:prstGeom prst="rect">
+            <a:avLst/>
+          </a:prstGeom>
+        </p:spPr>
+      </p:pic>
+    </p:spTree>
+    <p:extLst>
+      <p:ext uri="{BB962C8B-B14F-4D97-AF65-F5344CB8AC3E}">
+        <p14:creationId xmlns:p14="http://schemas.microsoft.com/office/powerpoint/2010/main" val="3468036346"/>
+      </p:ext>
+    </p:extLst>
+  </p:cSld>
+  <p:clrMapOvr>
+    <a:masterClrMapping/>
+  </p:clrMapOvr>
+</p:sld>
+</file>
+
+<file path=ppt/slides/slide5.xml><?xml version="1.0" encoding="utf-8"?>
+<p:sld xmlns:a="http://schemas.openxmlformats.org/drawingml/2006/main" xmlns:r="http://schemas.openxmlformats.org/officeDocument/2006/relationships" xmlns:p="http://schemas.openxmlformats.org/presentationml/2006/main">
+  <p:cSld>
+    <p:spTree>
+      <p:nvGrpSpPr>
+        <p:cNvPr id="1" name=""/>
+        <p:cNvGrpSpPr/>
+        <p:nvPr/>
+      </p:nvGrpSpPr>
+      <p:grpSpPr>
+        <a:xfrm>
+          <a:off x="0" y="0"/>
+          <a:ext cx="0" cy="0"/>
+          <a:chOff x="0" y="0"/>
+          <a:chExt cx="0" cy="0"/>
+        </a:xfrm>
+      </p:grpSpPr>
+      <p:sp>
+        <p:nvSpPr>
+          <p:cNvPr id="2" name="Title 1">
+            <a:extLst>
+              <a:ext uri="{FF2B5EF4-FFF2-40B4-BE49-F238E27FC236}">
+                <a16:creationId xmlns:a16="http://schemas.microsoft.com/office/drawing/2014/main" id="{0996ECA2-A3B3-2940-A5C9-071888A81948}"/>
+              </a:ext>
+            </a:extLst>
+          </p:cNvPr>
+          <p:cNvSpPr>
+            <a:spLocks noGrp="1"/>
+          </p:cNvSpPr>
+          <p:nvPr>
+            <p:ph type="title"/>
+          </p:nvPr>
+        </p:nvSpPr>
+        <p:spPr/>
+        <p:txBody>
+          <a:bodyPr/>
+          <a:lstStyle/>
+          <a:p>
+            <a:r>
+              <a:rPr lang="en-US" dirty="0"/>
+              <a:t>Open python in terminal or write a script</a:t>
+            </a:r>
+          </a:p>
+        </p:txBody>
+      </p:sp>
+      <p:sp>
+        <p:nvSpPr>
+          <p:cNvPr id="3" name="Content Placeholder 2">
+            <a:extLst>
+              <a:ext uri="{FF2B5EF4-FFF2-40B4-BE49-F238E27FC236}">
+                <a16:creationId xmlns:a16="http://schemas.microsoft.com/office/drawing/2014/main" id="{56FC0313-BB9A-1D43-9FA6-642EA44A561C}"/>
+              </a:ext>
+            </a:extLst>
+          </p:cNvPr>
+          <p:cNvSpPr>
+            <a:spLocks noGrp="1"/>
+          </p:cNvSpPr>
+          <p:nvPr>
+            <p:ph idx="1"/>
+          </p:nvPr>
+        </p:nvSpPr>
+        <p:spPr/>
+        <p:txBody>
+          <a:bodyPr/>
+          <a:lstStyle/>
+          <a:p>
+            <a:pPr marL="0" indent="0">
+              <a:buNone/>
+            </a:pPr>
+            <a:r>
+              <a:rPr lang="en-US" dirty="0">
+                <a:latin typeface="Consolas" panose="020B0609020204030204" pitchFamily="49" charset="0"/>
+                <a:cs typeface="Consolas" panose="020B0609020204030204" pitchFamily="49" charset="0"/>
+              </a:rPr>
+              <a:t>$ python</a:t>
+            </a:r>
+          </a:p>
+          <a:p>
+            <a:pPr marL="0" indent="0">
+              <a:buNone/>
+            </a:pPr>
+            <a:r>
+              <a:rPr lang="en-US" dirty="0">
+                <a:latin typeface="Consolas" panose="020B0609020204030204" pitchFamily="49" charset="0"/>
+                <a:cs typeface="Consolas" panose="020B0609020204030204" pitchFamily="49" charset="0"/>
+              </a:rPr>
+              <a:t>&gt;&gt;&gt; </a:t>
+            </a:r>
+          </a:p>
+          <a:p>
+            <a:pPr marL="0" indent="0">
+              <a:buNone/>
+            </a:pPr>
+            <a:endParaRPr lang="en-US" dirty="0">
+              <a:latin typeface="Consolas" panose="020B0609020204030204" pitchFamily="49" charset="0"/>
+              <a:cs typeface="Consolas" panose="020B0609020204030204" pitchFamily="49" charset="0"/>
+            </a:endParaRPr>
+          </a:p>
+          <a:p>
+            <a:pPr marL="0" indent="0">
+              <a:buNone/>
+            </a:pPr>
+            <a:r>
+              <a:rPr lang="en-US" dirty="0">
+                <a:latin typeface="Consolas" panose="020B0609020204030204" pitchFamily="49" charset="0"/>
+                <a:cs typeface="Consolas" panose="020B0609020204030204" pitchFamily="49" charset="0"/>
+              </a:rPr>
+              <a:t>$ python </a:t>
+            </a:r>
+            <a:r>
+              <a:rPr lang="en-US" dirty="0" err="1">
+                <a:latin typeface="Consolas" panose="020B0609020204030204" pitchFamily="49" charset="0"/>
+                <a:cs typeface="Consolas" panose="020B0609020204030204" pitchFamily="49" charset="0"/>
+              </a:rPr>
+              <a:t>script.py</a:t>
+            </a:r>
+            <a:endParaRPr lang="en-US" dirty="0">
+              <a:latin typeface="Consolas" panose="020B0609020204030204" pitchFamily="49" charset="0"/>
+              <a:cs typeface="Consolas" panose="020B0609020204030204" pitchFamily="49" charset="0"/>
+            </a:endParaRPr>
+          </a:p>
+        </p:txBody>
+      </p:sp>
+    </p:spTree>
+    <p:extLst>
+      <p:ext uri="{BB962C8B-B14F-4D97-AF65-F5344CB8AC3E}">
+        <p14:creationId xmlns:p14="http://schemas.microsoft.com/office/powerpoint/2010/main" val="1908604935"/>
+      </p:ext>
+    </p:extLst>
+  </p:cSld>
+  <p:clrMapOvr>
+    <a:masterClrMapping/>
+  </p:clrMapOvr>
+</p:sld>
+</file>
+
+<file path=ppt/slides/slide6.xml><?xml version="1.0" encoding="utf-8"?>
+<p:sld xmlns:a="http://schemas.openxmlformats.org/drawingml/2006/main" xmlns:r="http://schemas.openxmlformats.org/officeDocument/2006/relationships" xmlns:p="http://schemas.openxmlformats.org/presentationml/2006/main">
+  <p:cSld>
+    <p:spTree>
+      <p:nvGrpSpPr>
+        <p:cNvPr id="1" name=""/>
+        <p:cNvGrpSpPr/>
+        <p:nvPr/>
+      </p:nvGrpSpPr>
+      <p:grpSpPr>
+        <a:xfrm>
+          <a:off x="0" y="0"/>
+          <a:ext cx="0" cy="0"/>
+          <a:chOff x="0" y="0"/>
+          <a:chExt cx="0" cy="0"/>
+        </a:xfrm>
+      </p:grpSpPr>
+      <p:sp>
+        <p:nvSpPr>
+          <p:cNvPr id="2" name="Title 1">
+            <a:extLst>
+              <a:ext uri="{FF2B5EF4-FFF2-40B4-BE49-F238E27FC236}">
+                <a16:creationId xmlns:a16="http://schemas.microsoft.com/office/drawing/2014/main" id="{AEE50D72-0E6A-F840-ACA9-06808ED75C32}"/>
+              </a:ext>
+            </a:extLst>
+          </p:cNvPr>
+          <p:cNvSpPr>
+            <a:spLocks noGrp="1"/>
+          </p:cNvSpPr>
+          <p:nvPr>
+            <p:ph type="title"/>
+          </p:nvPr>
+        </p:nvSpPr>
+        <p:spPr/>
+        <p:txBody>
+          <a:bodyPr/>
+          <a:lstStyle/>
+          <a:p>
+            <a:r>
+              <a:rPr lang="en-US" dirty="0"/>
+              <a:t>The foundations of coding</a:t>
+            </a:r>
+          </a:p>
+        </p:txBody>
+      </p:sp>
+      <p:sp>
+        <p:nvSpPr>
+          <p:cNvPr id="3" name="Content Placeholder 2">
+            <a:extLst>
+              <a:ext uri="{FF2B5EF4-FFF2-40B4-BE49-F238E27FC236}">
+                <a16:creationId xmlns:a16="http://schemas.microsoft.com/office/drawing/2014/main" id="{5CB53195-96DD-DB47-B2B3-5BDC5F3B9D43}"/>
+              </a:ext>
+            </a:extLst>
+          </p:cNvPr>
+          <p:cNvSpPr>
+            <a:spLocks noGrp="1"/>
+          </p:cNvSpPr>
+          <p:nvPr>
+            <p:ph idx="1"/>
+          </p:nvPr>
+        </p:nvSpPr>
+        <p:spPr/>
+        <p:txBody>
+          <a:bodyPr/>
+          <a:lstStyle/>
+          <a:p>
+            <a:r>
+              <a:rPr lang="en-US" dirty="0"/>
+              <a:t>Data types:	</a:t>
+            </a:r>
+          </a:p>
+          <a:p>
+            <a:pPr lvl="1"/>
+            <a:r>
+              <a:rPr lang="en-US" dirty="0"/>
+              <a:t>Integers</a:t>
+            </a:r>
+          </a:p>
+          <a:p>
+            <a:pPr lvl="1"/>
+            <a:r>
+              <a:rPr lang="en-US" dirty="0"/>
+              <a:t>Floats &amp; Doubles</a:t>
+            </a:r>
+          </a:p>
+          <a:p>
+            <a:pPr lvl="1"/>
+            <a:r>
+              <a:rPr lang="en-US" dirty="0"/>
+              <a:t>Strings </a:t>
+            </a:r>
+          </a:p>
+          <a:p>
+            <a:pPr lvl="1"/>
+            <a:r>
+              <a:rPr lang="en-US" dirty="0"/>
+              <a:t>Arrays</a:t>
+            </a:r>
+          </a:p>
+          <a:p>
+            <a:pPr lvl="1"/>
+            <a:r>
+              <a:rPr lang="en-US" dirty="0"/>
+              <a:t>Sets</a:t>
+            </a:r>
+          </a:p>
+          <a:p>
+            <a:pPr lvl="1"/>
+            <a:r>
+              <a:rPr lang="en-US" dirty="0"/>
+              <a:t>Dictionaries</a:t>
+            </a:r>
+          </a:p>
+          <a:p>
+            <a:pPr lvl="1"/>
+            <a:r>
+              <a:rPr lang="en-US" dirty="0"/>
+              <a:t>Objects</a:t>
+            </a:r>
+          </a:p>
+        </p:txBody>
+      </p:sp>
+    </p:spTree>
+    <p:extLst>
+      <p:ext uri="{BB962C8B-B14F-4D97-AF65-F5344CB8AC3E}">
+        <p14:creationId xmlns:p14="http://schemas.microsoft.com/office/powerpoint/2010/main" val="4143302130"/>
+      </p:ext>
+    </p:extLst>
+  </p:cSld>
+  <p:clrMapOvr>
+    <a:masterClrMapping/>
+  </p:clrMapOvr>
+</p:sld>
+</file>
+
+<file path=ppt/slides/slide7.xml><?xml version="1.0" encoding="utf-8"?>
+<p:sld xmlns:a="http://schemas.openxmlformats.org/drawingml/2006/main" xmlns:r="http://schemas.openxmlformats.org/officeDocument/2006/relationships" xmlns:p="http://schemas.openxmlformats.org/presentationml/2006/main">
+  <p:cSld>
+    <p:spTree>
+      <p:nvGrpSpPr>
+        <p:cNvPr id="1" name=""/>
+        <p:cNvGrpSpPr/>
+        <p:nvPr/>
+      </p:nvGrpSpPr>
+      <p:grpSpPr>
+        <a:xfrm>
+          <a:off x="0" y="0"/>
+          <a:ext cx="0" cy="0"/>
+          <a:chOff x="0" y="0"/>
+          <a:chExt cx="0" cy="0"/>
+        </a:xfrm>
+      </p:grpSpPr>
+      <p:sp>
+        <p:nvSpPr>
+          <p:cNvPr id="2" name="Title 1">
+            <a:extLst>
+              <a:ext uri="{FF2B5EF4-FFF2-40B4-BE49-F238E27FC236}">
+                <a16:creationId xmlns:a16="http://schemas.microsoft.com/office/drawing/2014/main" id="{46DD39BB-8409-574D-9E41-1CF2467C5BA9}"/>
+              </a:ext>
+            </a:extLst>
+          </p:cNvPr>
+          <p:cNvSpPr>
+            <a:spLocks noGrp="1"/>
+          </p:cNvSpPr>
+          <p:nvPr>
+            <p:ph type="title"/>
+          </p:nvPr>
+        </p:nvSpPr>
+        <p:spPr/>
+        <p:txBody>
+          <a:bodyPr/>
+          <a:lstStyle/>
+          <a:p>
+            <a:r>
+              <a:rPr lang="en-US" dirty="0"/>
+              <a:t>Integers</a:t>
+            </a:r>
+          </a:p>
+        </p:txBody>
+      </p:sp>
+      <p:sp>
+        <p:nvSpPr>
+          <p:cNvPr id="3" name="Content Placeholder 2">
+            <a:extLst>
+              <a:ext uri="{FF2B5EF4-FFF2-40B4-BE49-F238E27FC236}">
+                <a16:creationId xmlns:a16="http://schemas.microsoft.com/office/drawing/2014/main" id="{F4945D61-B3CB-4F43-9B37-37BCA8EC5606}"/>
+              </a:ext>
+            </a:extLst>
+          </p:cNvPr>
+          <p:cNvSpPr>
+            <a:spLocks noGrp="1"/>
+          </p:cNvSpPr>
+          <p:nvPr>
+            <p:ph idx="1"/>
+          </p:nvPr>
+        </p:nvSpPr>
+        <p:spPr/>
+        <p:txBody>
+          <a:bodyPr>
+            <a:normAutofit/>
+          </a:bodyPr>
+          <a:lstStyle/>
+          <a:p>
+            <a:r>
+              <a:rPr lang="en-US" dirty="0"/>
+              <a:t>Numeric types refer to the precision of the value</a:t>
+            </a:r>
+          </a:p>
+          <a:p>
+            <a:r>
+              <a:rPr lang="en-US" dirty="0"/>
+              <a:t>Integers: whole numbers</a:t>
+            </a:r>
+          </a:p>
+          <a:p>
+            <a:pPr marL="0" indent="0">
+              <a:buNone/>
+            </a:pPr>
+            <a:r>
+              <a:rPr lang="en-US" sz="2400" dirty="0">
+                <a:latin typeface="Consolas" panose="020B0609020204030204" pitchFamily="49" charset="0"/>
+                <a:cs typeface="Consolas" panose="020B0609020204030204" pitchFamily="49" charset="0"/>
+              </a:rPr>
+              <a:t>&gt;&gt;&gt; x = 1</a:t>
+            </a:r>
+          </a:p>
+          <a:p>
+            <a:pPr marL="0" indent="0">
+              <a:buNone/>
+            </a:pPr>
+            <a:r>
+              <a:rPr lang="en-US" sz="2400" dirty="0">
+                <a:latin typeface="Consolas" panose="020B0609020204030204" pitchFamily="49" charset="0"/>
+                <a:cs typeface="Consolas" panose="020B0609020204030204" pitchFamily="49" charset="0"/>
+              </a:rPr>
+              <a:t>&gt;&gt;&gt; type(x)</a:t>
+            </a:r>
+          </a:p>
+          <a:p>
+            <a:pPr marL="0" indent="0">
+              <a:buNone/>
+            </a:pPr>
+            <a:r>
+              <a:rPr lang="en-US" sz="2400" dirty="0">
+                <a:latin typeface="Consolas" panose="020B0609020204030204" pitchFamily="49" charset="0"/>
+                <a:cs typeface="Consolas" panose="020B0609020204030204" pitchFamily="49" charset="0"/>
+              </a:rPr>
+              <a:t>&lt;class 'int’&gt;</a:t>
+            </a:r>
+          </a:p>
+          <a:p>
+            <a:pPr marL="0" indent="0">
+              <a:buNone/>
+            </a:pPr>
+            <a:endParaRPr lang="en-US" sz="2400" dirty="0">
+              <a:latin typeface="Consolas" panose="020B0609020204030204" pitchFamily="49" charset="0"/>
+              <a:cs typeface="Consolas" panose="020B0609020204030204" pitchFamily="49" charset="0"/>
+            </a:endParaRPr>
+          </a:p>
+          <a:p>
+            <a:pPr marL="0" indent="0">
+              <a:buNone/>
+            </a:pPr>
+            <a:r>
+              <a:rPr lang="en-US" sz="2400" dirty="0">
+                <a:latin typeface="Consolas" panose="020B0609020204030204" pitchFamily="49" charset="0"/>
+                <a:cs typeface="Consolas" panose="020B0609020204030204" pitchFamily="49" charset="0"/>
+              </a:rPr>
+              <a:t>&gt;&gt;&gt; y = int(1.0)</a:t>
+            </a:r>
+          </a:p>
+          <a:p>
+            <a:pPr marL="0" indent="0">
+              <a:buNone/>
+            </a:pPr>
+            <a:r>
+              <a:rPr lang="en-US" sz="2400" dirty="0">
+                <a:latin typeface="Consolas" panose="020B0609020204030204" pitchFamily="49" charset="0"/>
+                <a:cs typeface="Consolas" panose="020B0609020204030204" pitchFamily="49" charset="0"/>
+              </a:rPr>
+              <a:t>&gt;&gt;&gt; type(y)</a:t>
+            </a:r>
+          </a:p>
+          <a:p>
+            <a:pPr marL="0" indent="0">
+              <a:buNone/>
+            </a:pPr>
+            <a:r>
+              <a:rPr lang="en-US" sz="2400" dirty="0">
+                <a:latin typeface="Consolas" panose="020B0609020204030204" pitchFamily="49" charset="0"/>
+                <a:cs typeface="Consolas" panose="020B0609020204030204" pitchFamily="49" charset="0"/>
+              </a:rPr>
+              <a:t>&lt;class 'int’&gt;</a:t>
+            </a:r>
+          </a:p>
+          <a:p>
+            <a:endParaRPr lang="en-US" dirty="0"/>
+          </a:p>
+        </p:txBody>
+      </p:sp>
+    </p:spTree>
+    <p:extLst>
+      <p:ext uri="{BB962C8B-B14F-4D97-AF65-F5344CB8AC3E}">
+        <p14:creationId xmlns:p14="http://schemas.microsoft.com/office/powerpoint/2010/main" val="425932057"/>
+      </p:ext>
+    </p:extLst>
+  </p:cSld>
+  <p:clrMapOvr>
+    <a:masterClrMapping/>
+  </p:clrMapOvr>
+</p:sld>
+</file>
+
+<file path=ppt/slides/slide8.xml><?xml version="1.0" encoding="utf-8"?>
+<p:sld xmlns:a="http://schemas.openxmlformats.org/drawingml/2006/main" xmlns:r="http://schemas.openxmlformats.org/officeDocument/2006/relationships" xmlns:p="http://schemas.openxmlformats.org/presentationml/2006/main">
+  <p:cSld>
+    <p:spTree>
+      <p:nvGrpSpPr>
+        <p:cNvPr id="1" name=""/>
+        <p:cNvGrpSpPr/>
+        <p:nvPr/>
+      </p:nvGrpSpPr>
+      <p:grpSpPr>
+        <a:xfrm>
+          <a:off x="0" y="0"/>
+          <a:ext cx="0" cy="0"/>
+          <a:chOff x="0" y="0"/>
+          <a:chExt cx="0" cy="0"/>
+        </a:xfrm>
+      </p:grpSpPr>
+      <p:sp>
+        <p:nvSpPr>
+          <p:cNvPr id="2" name="Title 1">
+            <a:extLst>
+              <a:ext uri="{FF2B5EF4-FFF2-40B4-BE49-F238E27FC236}">
+                <a16:creationId xmlns:a16="http://schemas.microsoft.com/office/drawing/2014/main" id="{51FB27D2-F10C-D843-8567-2C3427209169}"/>
+              </a:ext>
+            </a:extLst>
+          </p:cNvPr>
+          <p:cNvSpPr>
+            <a:spLocks noGrp="1"/>
+          </p:cNvSpPr>
+          <p:nvPr>
+            <p:ph type="title"/>
+          </p:nvPr>
+        </p:nvSpPr>
+        <p:spPr/>
+        <p:txBody>
+          <a:bodyPr/>
+          <a:lstStyle/>
+          <a:p>
+            <a:r>
+              <a:rPr lang="en-US" dirty="0"/>
+              <a:t>Floats</a:t>
+            </a:r>
+          </a:p>
+        </p:txBody>
+      </p:sp>
+      <p:sp>
+        <p:nvSpPr>
+          <p:cNvPr id="3" name="Content Placeholder 2">
+            <a:extLst>
+              <a:ext uri="{FF2B5EF4-FFF2-40B4-BE49-F238E27FC236}">
+                <a16:creationId xmlns:a16="http://schemas.microsoft.com/office/drawing/2014/main" id="{107470BB-D4B3-DC47-90B8-336CED995CB9}"/>
+              </a:ext>
+            </a:extLst>
+          </p:cNvPr>
+          <p:cNvSpPr>
+            <a:spLocks noGrp="1"/>
+          </p:cNvSpPr>
+          <p:nvPr>
+            <p:ph idx="1"/>
+          </p:nvPr>
+        </p:nvSpPr>
+        <p:spPr/>
+        <p:txBody>
+          <a:bodyPr/>
+          <a:lstStyle/>
+          <a:p>
+            <a:r>
+              <a:rPr lang="en-US" dirty="0"/>
+              <a:t>Floating point value</a:t>
+            </a:r>
+          </a:p>
+          <a:p>
+            <a:r>
+              <a:rPr lang="en-US" dirty="0"/>
+              <a:t>Represents a fractional value</a:t>
+            </a:r>
+          </a:p>
+          <a:p>
+            <a:r>
+              <a:rPr lang="en-US" dirty="0"/>
+              <a:t>Depending on your system, can have increased precision</a:t>
+            </a:r>
+          </a:p>
+          <a:p>
+            <a:r>
+              <a:rPr lang="en-US" dirty="0"/>
+              <a:t>Ever wonder what the difference is between a 32-bit and 64-bit OS?</a:t>
+            </a:r>
+          </a:p>
+          <a:p>
+            <a:pPr lvl="1"/>
+            <a:r>
+              <a:rPr lang="en-US" dirty="0"/>
+              <a:t>32-bit can access 2</a:t>
+            </a:r>
+            <a:r>
+              <a:rPr lang="en-US" baseline="30000" dirty="0"/>
+              <a:t>32</a:t>
+            </a:r>
+            <a:r>
+              <a:rPr lang="en-US" dirty="0"/>
+              <a:t> memory addresses</a:t>
+            </a:r>
+          </a:p>
+          <a:p>
+            <a:pPr lvl="1"/>
+            <a:r>
+              <a:rPr lang="en-US" dirty="0"/>
+              <a:t>64-bit can access 2</a:t>
+            </a:r>
+            <a:r>
+              <a:rPr lang="en-US" baseline="30000" dirty="0"/>
+              <a:t>64</a:t>
+            </a:r>
+            <a:r>
+              <a:rPr lang="en-US" dirty="0"/>
+              <a:t> memory addresses</a:t>
+            </a:r>
+          </a:p>
+          <a:p>
+            <a:pPr lvl="1"/>
+            <a:endParaRPr lang="en-US" dirty="0"/>
+          </a:p>
+          <a:p>
+            <a:pPr lvl="1"/>
+            <a:endParaRPr lang="en-US" dirty="0"/>
+          </a:p>
+        </p:txBody>
+      </p:sp>
+    </p:spTree>
+    <p:extLst>
+      <p:ext uri="{BB962C8B-B14F-4D97-AF65-F5344CB8AC3E}">
+        <p14:creationId xmlns:p14="http://schemas.microsoft.com/office/powerpoint/2010/main" val="2601114718"/>
+      </p:ext>
+    </p:extLst>
+  </p:cSld>
+  <p:clrMapOvr>
+    <a:masterClrMapping/>
+  </p:clrMapOvr>
+</p:sld>
+</file>
+
+<file path=ppt/slides/slide9.xml><?xml version="1.0" encoding="utf-8"?>
+<p:sld xmlns:a="http://schemas.openxmlformats.org/drawingml/2006/main" xmlns:r="http://schemas.openxmlformats.org/officeDocument/2006/relationships" xmlns:p="http://schemas.openxmlformats.org/presentationml/2006/main">
+  <p:cSld>
+    <p:spTree>
+      <p:nvGrpSpPr>
+        <p:cNvPr id="1" name=""/>
+        <p:cNvGrpSpPr/>
+        <p:nvPr/>
+      </p:nvGrpSpPr>
+      <p:grpSpPr>
+        <a:xfrm>
+          <a:off x="0" y="0"/>
+          <a:ext cx="0" cy="0"/>
+          <a:chOff x="0" y="0"/>
+          <a:chExt cx="0" cy="0"/>
+        </a:xfrm>
+      </p:grpSpPr>
+      <p:sp>
+        <p:nvSpPr>
+          <p:cNvPr id="2" name="Title 1">
+            <a:extLst>
+              <a:ext uri="{FF2B5EF4-FFF2-40B4-BE49-F238E27FC236}">
+                <a16:creationId xmlns:a16="http://schemas.microsoft.com/office/drawing/2014/main" id="{612BDD2A-202E-9240-90DF-0BA4FD92AB80}"/>
+              </a:ext>
+            </a:extLst>
+          </p:cNvPr>
+          <p:cNvSpPr>
+            <a:spLocks noGrp="1"/>
+          </p:cNvSpPr>
+          <p:nvPr>
+            <p:ph type="title"/>
+          </p:nvPr>
+        </p:nvSpPr>
+        <p:spPr/>
+        <p:txBody>
+          <a:bodyPr/>
+          <a:lstStyle/>
+          <a:p>
+            <a:r>
+              <a:rPr lang="en-US" dirty="0"/>
+              <a:t>Let’s talk about how memory works</a:t>
+            </a:r>
+          </a:p>
+        </p:txBody>
+      </p:sp>
+      <p:sp>
+        <p:nvSpPr>
+          <p:cNvPr id="3" name="Content Placeholder 2">
+            <a:extLst>
+              <a:ext uri="{FF2B5EF4-FFF2-40B4-BE49-F238E27FC236}">
+                <a16:creationId xmlns:a16="http://schemas.microsoft.com/office/drawing/2014/main" id="{078FA108-6BF1-A641-99C0-2E1B1AA518E1}"/>
+              </a:ext>
+            </a:extLst>
+          </p:cNvPr>
+          <p:cNvSpPr>
+            <a:spLocks noGrp="1"/>
+          </p:cNvSpPr>
+          <p:nvPr>
+            <p:ph idx="1"/>
+          </p:nvPr>
+        </p:nvSpPr>
+        <p:spPr/>
+        <p:txBody>
+          <a:bodyPr>
+            <a:normAutofit fontScale="85000" lnSpcReduction="20000"/>
+          </a:bodyPr>
+          <a:lstStyle/>
+          <a:p>
+            <a:r>
+              <a:rPr lang="en-US" dirty="0"/>
+              <a:t>A </a:t>
+            </a:r>
+            <a:r>
+              <a:rPr lang="en-US" u="sng" dirty="0"/>
+              <a:t>bit</a:t>
+            </a:r>
+            <a:r>
+              <a:rPr lang="en-US" dirty="0"/>
+              <a:t> is can be equal to 0 or 1 determined by an presence or absence or an electrical charge at a given position on the computer chip</a:t>
+            </a:r>
+          </a:p>
+          <a:p>
+            <a:r>
+              <a:rPr lang="en-US" dirty="0"/>
+              <a:t>A </a:t>
+            </a:r>
+            <a:r>
+              <a:rPr lang="en-US" u="sng" dirty="0"/>
+              <a:t>byte</a:t>
+            </a:r>
+            <a:r>
+              <a:rPr lang="en-US" dirty="0"/>
+              <a:t> is a collection of 8 bits that represent a higher value</a:t>
+            </a:r>
+          </a:p>
+          <a:p>
+            <a:pPr lvl="1"/>
+            <a:r>
+              <a:rPr lang="en-US" dirty="0"/>
+              <a:t>A byte can store ”A”, or “X”, or “$”, etc.</a:t>
+            </a:r>
+          </a:p>
+          <a:p>
+            <a:pPr lvl="2"/>
+            <a:r>
+              <a:rPr lang="en-US" dirty="0"/>
+              <a:t>0010 0001 = “!”</a:t>
+            </a:r>
+          </a:p>
+          <a:p>
+            <a:pPr lvl="2"/>
+            <a:r>
+              <a:rPr lang="en-US" dirty="0"/>
+              <a:t>0011 0000 = “0”</a:t>
+            </a:r>
+          </a:p>
+          <a:p>
+            <a:pPr lvl="1"/>
+            <a:r>
+              <a:rPr lang="en-US" dirty="0"/>
+              <a:t>In general: add 1 bit, double the number of patterns</a:t>
+            </a:r>
+          </a:p>
+          <a:p>
+            <a:pPr lvl="2"/>
+            <a:r>
+              <a:rPr lang="en-US" dirty="0"/>
+              <a:t>1 bit - 2 patterns</a:t>
+            </a:r>
+          </a:p>
+          <a:p>
+            <a:pPr lvl="2"/>
+            <a:r>
+              <a:rPr lang="en-US" dirty="0"/>
+              <a:t>2 bits - 4</a:t>
+            </a:r>
+          </a:p>
+          <a:p>
+            <a:pPr lvl="2"/>
+            <a:r>
+              <a:rPr lang="en-US" dirty="0"/>
+              <a:t>3 bits - 8</a:t>
+            </a:r>
+          </a:p>
+          <a:p>
+            <a:pPr lvl="2"/>
+            <a:r>
+              <a:rPr lang="en-US" dirty="0"/>
+              <a:t>4 bits - 16</a:t>
+            </a:r>
+          </a:p>
+          <a:p>
+            <a:pPr lvl="2"/>
+            <a:r>
+              <a:rPr lang="en-US" dirty="0"/>
+              <a:t>5 bits - 32</a:t>
+            </a:r>
+          </a:p>
+          <a:p>
+            <a:pPr lvl="2"/>
+            <a:r>
+              <a:rPr lang="en-US" dirty="0"/>
+              <a:t>6 bits - 64</a:t>
+            </a:r>
+          </a:p>
+          <a:p>
+            <a:pPr lvl="2"/>
+            <a:r>
+              <a:rPr lang="en-US" dirty="0"/>
+              <a:t>7 bits - 128</a:t>
+            </a:r>
+          </a:p>
+          <a:p>
+            <a:pPr lvl="2"/>
+            <a:r>
+              <a:rPr lang="en-US" dirty="0"/>
+              <a:t>8 bits - 256 - one byte</a:t>
+            </a:r>
+          </a:p>
+          <a:p>
+            <a:pPr lvl="2"/>
+            <a:r>
+              <a:rPr lang="en-US" dirty="0"/>
+              <a:t>Mathematically: n bits yields 2</a:t>
+            </a:r>
+            <a:r>
+              <a:rPr lang="en-US" baseline="30000" dirty="0"/>
+              <a:t>n</a:t>
+            </a:r>
+            <a:r>
+              <a:rPr lang="en-US" dirty="0"/>
+              <a:t> patterns (2 to the nth power)</a:t>
+            </a:r>
+          </a:p>
+          <a:p>
+            <a:pPr marL="914400" lvl="2" indent="0">
+              <a:buNone/>
+            </a:pPr>
+            <a:endParaRPr lang="en-US" dirty="0"/>
+          </a:p>
+          <a:p>
+            <a:pPr lvl="1"/>
+            <a:endParaRPr lang="en-US" dirty="0"/>
+          </a:p>
+        </p:txBody>
+      </p:sp>
+      <p:sp>
+        <p:nvSpPr>
+          <p:cNvPr id="4" name="Rectangle 3">
+            <a:extLst>
+              <a:ext uri="{FF2B5EF4-FFF2-40B4-BE49-F238E27FC236}">
+                <a16:creationId xmlns:a16="http://schemas.microsoft.com/office/drawing/2014/main" id="{42FE5663-9EDB-A743-B33A-10134B37323D}"/>
+              </a:ext>
+            </a:extLst>
+          </p:cNvPr>
+          <p:cNvSpPr/>
+          <p:nvPr/>
+        </p:nvSpPr>
+        <p:spPr>
+          <a:xfrm>
+            <a:off x="7748598" y="6364893"/>
+            <a:ext cx="4179349" cy="430887"/>
+          </a:xfrm>
+          <a:prstGeom prst="rect">
+            <a:avLst/>
+          </a:prstGeom>
+        </p:spPr>
+        <p:txBody>
+          <a:bodyPr wrap="none">
+            <a:spAutoFit/>
+          </a:bodyPr>
+          <a:lstStyle/>
+          <a:p>
+            <a:r>
+              <a:rPr lang="en-US" sz="1100" dirty="0">
+                <a:hlinkClick r:id="rId2"/>
+              </a:rPr>
+              <a:t>https://web.stanford.edu/class/cs101/bits-bytes.html</a:t>
+            </a:r>
+            <a:endParaRPr lang="en-US" sz="1100" dirty="0"/>
+          </a:p>
+          <a:p>
+            <a:r>
+              <a:rPr lang="en-US" sz="1100" dirty="0"/>
+              <a:t>https://</a:t>
+            </a:r>
+            <a:r>
+              <a:rPr lang="en-US" sz="1100" dirty="0" err="1"/>
+              <a:t>www.colocationamerica.com</a:t>
+            </a:r>
+            <a:r>
+              <a:rPr lang="en-US" sz="1100" dirty="0"/>
+              <a:t>/images/bit-byte-</a:t>
+            </a:r>
+            <a:r>
+              <a:rPr lang="en-US" sz="1100" dirty="0" err="1"/>
+              <a:t>comparison.jpg</a:t>
+            </a:r>
+            <a:endParaRPr lang="en-US" sz="1100" dirty="0"/>
+          </a:p>
+        </p:txBody>
+      </p:sp>
+      <p:pic>
+        <p:nvPicPr>
+          <p:cNvPr id="5" name="Picture 4">
+            <a:extLst>
+              <a:ext uri="{FF2B5EF4-FFF2-40B4-BE49-F238E27FC236}">
+                <a16:creationId xmlns:a16="http://schemas.microsoft.com/office/drawing/2014/main" id="{697B1655-6031-014F-A591-FDF36C087CAD}"/>
+              </a:ext>
+            </a:extLst>
+          </p:cNvPr>
+          <p:cNvPicPr>
+            <a:picLocks noChangeAspect="1"/>
+          </p:cNvPicPr>
+          <p:nvPr/>
+        </p:nvPicPr>
+        <p:blipFill>
+          <a:blip r:embed="rId3"/>
+          <a:stretch>
+            <a:fillRect/>
+          </a:stretch>
+        </p:blipFill>
+        <p:spPr>
+          <a:xfrm>
+            <a:off x="7567449" y="3175376"/>
+            <a:ext cx="4110420" cy="2055210"/>
+          </a:xfrm>
+          <a:prstGeom prst="rect">
+            <a:avLst/>
+          </a:prstGeom>
+        </p:spPr>
+      </p:pic>
+    </p:spTree>
+    <p:extLst>
+      <p:ext uri="{BB962C8B-B14F-4D97-AF65-F5344CB8AC3E}">
+        <p14:creationId xmlns:p14="http://schemas.microsoft.com/office/powerpoint/2010/main" val="4243601043"/>
       </p:ext>
     </p:extLst>
   </p:cSld>
